--- a/aula 03 flask.pptx
+++ b/aula 03 flask.pptx
@@ -14,19 +14,34 @@
     <p:sldId id="323" r:id="rId8"/>
     <p:sldId id="339" r:id="rId9"/>
     <p:sldId id="324" r:id="rId10"/>
-    <p:sldId id="325" r:id="rId11"/>
-    <p:sldId id="326" r:id="rId12"/>
-    <p:sldId id="327" r:id="rId13"/>
-    <p:sldId id="328" r:id="rId14"/>
-    <p:sldId id="329" r:id="rId15"/>
-    <p:sldId id="330" r:id="rId16"/>
-    <p:sldId id="331" r:id="rId17"/>
-    <p:sldId id="341" r:id="rId18"/>
-    <p:sldId id="332" r:id="rId19"/>
-    <p:sldId id="333" r:id="rId20"/>
-    <p:sldId id="337" r:id="rId21"/>
-    <p:sldId id="334" r:id="rId22"/>
-    <p:sldId id="336" r:id="rId23"/>
+    <p:sldId id="362" r:id="rId11"/>
+    <p:sldId id="363" r:id="rId12"/>
+    <p:sldId id="364" r:id="rId13"/>
+    <p:sldId id="365" r:id="rId14"/>
+    <p:sldId id="366" r:id="rId15"/>
+    <p:sldId id="367" r:id="rId16"/>
+    <p:sldId id="368" r:id="rId17"/>
+    <p:sldId id="325" r:id="rId18"/>
+    <p:sldId id="326" r:id="rId19"/>
+    <p:sldId id="327" r:id="rId20"/>
+    <p:sldId id="328" r:id="rId21"/>
+    <p:sldId id="329" r:id="rId22"/>
+    <p:sldId id="330" r:id="rId23"/>
+    <p:sldId id="331" r:id="rId24"/>
+    <p:sldId id="341" r:id="rId25"/>
+    <p:sldId id="332" r:id="rId26"/>
+    <p:sldId id="333" r:id="rId27"/>
+    <p:sldId id="337" r:id="rId28"/>
+    <p:sldId id="334" r:id="rId29"/>
+    <p:sldId id="336" r:id="rId30"/>
+    <p:sldId id="344" r:id="rId31"/>
+    <p:sldId id="345" r:id="rId32"/>
+    <p:sldId id="346" r:id="rId33"/>
+    <p:sldId id="347" r:id="rId34"/>
+    <p:sldId id="348" r:id="rId35"/>
+    <p:sldId id="349" r:id="rId36"/>
+    <p:sldId id="370" r:id="rId37"/>
+    <p:sldId id="369" r:id="rId38"/>
   </p:sldIdLst>
   <p:sldSz cx="12192000" cy="6858000"/>
   <p:notesSz cx="6858000" cy="9144000"/>
@@ -280,7 +295,7 @@
           <a:p>
             <a:fld id="{DC044DD3-3B70-40D4-B7B8-B5A06E6781DE}" type="datetimeFigureOut">
               <a:rPr lang="pt-BR" smtClean="0"/>
-              <a:t>14/11/2022</a:t>
+              <a:t>21/11/2022</a:t>
             </a:fld>
             <a:endParaRPr lang="pt-BR"/>
           </a:p>
@@ -478,7 +493,7 @@
           <a:p>
             <a:fld id="{DC044DD3-3B70-40D4-B7B8-B5A06E6781DE}" type="datetimeFigureOut">
               <a:rPr lang="pt-BR" smtClean="0"/>
-              <a:t>14/11/2022</a:t>
+              <a:t>21/11/2022</a:t>
             </a:fld>
             <a:endParaRPr lang="pt-BR"/>
           </a:p>
@@ -686,7 +701,7 @@
           <a:p>
             <a:fld id="{DC044DD3-3B70-40D4-B7B8-B5A06E6781DE}" type="datetimeFigureOut">
               <a:rPr lang="pt-BR" smtClean="0"/>
-              <a:t>14/11/2022</a:t>
+              <a:t>21/11/2022</a:t>
             </a:fld>
             <a:endParaRPr lang="pt-BR"/>
           </a:p>
@@ -884,7 +899,7 @@
           <a:p>
             <a:fld id="{DC044DD3-3B70-40D4-B7B8-B5A06E6781DE}" type="datetimeFigureOut">
               <a:rPr lang="pt-BR" smtClean="0"/>
-              <a:t>14/11/2022</a:t>
+              <a:t>21/11/2022</a:t>
             </a:fld>
             <a:endParaRPr lang="pt-BR"/>
           </a:p>
@@ -1159,7 +1174,7 @@
           <a:p>
             <a:fld id="{DC044DD3-3B70-40D4-B7B8-B5A06E6781DE}" type="datetimeFigureOut">
               <a:rPr lang="pt-BR" smtClean="0"/>
-              <a:t>14/11/2022</a:t>
+              <a:t>21/11/2022</a:t>
             </a:fld>
             <a:endParaRPr lang="pt-BR"/>
           </a:p>
@@ -1424,7 +1439,7 @@
           <a:p>
             <a:fld id="{DC044DD3-3B70-40D4-B7B8-B5A06E6781DE}" type="datetimeFigureOut">
               <a:rPr lang="pt-BR" smtClean="0"/>
-              <a:t>14/11/2022</a:t>
+              <a:t>21/11/2022</a:t>
             </a:fld>
             <a:endParaRPr lang="pt-BR"/>
           </a:p>
@@ -1836,7 +1851,7 @@
           <a:p>
             <a:fld id="{DC044DD3-3B70-40D4-B7B8-B5A06E6781DE}" type="datetimeFigureOut">
               <a:rPr lang="pt-BR" smtClean="0"/>
-              <a:t>14/11/2022</a:t>
+              <a:t>21/11/2022</a:t>
             </a:fld>
             <a:endParaRPr lang="pt-BR"/>
           </a:p>
@@ -1977,7 +1992,7 @@
           <a:p>
             <a:fld id="{DC044DD3-3B70-40D4-B7B8-B5A06E6781DE}" type="datetimeFigureOut">
               <a:rPr lang="pt-BR" smtClean="0"/>
-              <a:t>14/11/2022</a:t>
+              <a:t>21/11/2022</a:t>
             </a:fld>
             <a:endParaRPr lang="pt-BR"/>
           </a:p>
@@ -2090,7 +2105,7 @@
           <a:p>
             <a:fld id="{DC044DD3-3B70-40D4-B7B8-B5A06E6781DE}" type="datetimeFigureOut">
               <a:rPr lang="pt-BR" smtClean="0"/>
-              <a:t>14/11/2022</a:t>
+              <a:t>21/11/2022</a:t>
             </a:fld>
             <a:endParaRPr lang="pt-BR"/>
           </a:p>
@@ -2401,7 +2416,7 @@
           <a:p>
             <a:fld id="{DC044DD3-3B70-40D4-B7B8-B5A06E6781DE}" type="datetimeFigureOut">
               <a:rPr lang="pt-BR" smtClean="0"/>
-              <a:t>14/11/2022</a:t>
+              <a:t>21/11/2022</a:t>
             </a:fld>
             <a:endParaRPr lang="pt-BR"/>
           </a:p>
@@ -2689,7 +2704,7 @@
           <a:p>
             <a:fld id="{DC044DD3-3B70-40D4-B7B8-B5A06E6781DE}" type="datetimeFigureOut">
               <a:rPr lang="pt-BR" smtClean="0"/>
-              <a:t>14/11/2022</a:t>
+              <a:t>21/11/2022</a:t>
             </a:fld>
             <a:endParaRPr lang="pt-BR"/>
           </a:p>
@@ -2930,7 +2945,7 @@
           <a:p>
             <a:fld id="{DC044DD3-3B70-40D4-B7B8-B5A06E6781DE}" type="datetimeFigureOut">
               <a:rPr lang="pt-BR" smtClean="0"/>
-              <a:t>14/11/2022</a:t>
+              <a:t>21/11/2022</a:t>
             </a:fld>
             <a:endParaRPr lang="pt-BR"/>
           </a:p>
@@ -3480,7 +3495,7 @@
           <p:cNvPr id="2" name="Título 1">
             <a:extLst>
               <a:ext uri="{FF2B5EF4-FFF2-40B4-BE49-F238E27FC236}">
-                <a16:creationId xmlns:a16="http://schemas.microsoft.com/office/drawing/2014/main" id="{C12F27B4-4107-5E80-2D89-6ABE661D9A0E}"/>
+                <a16:creationId xmlns:a16="http://schemas.microsoft.com/office/drawing/2014/main" id="{2FD843A6-C779-6CA0-2B55-E1FC607D8CD2}"/>
               </a:ext>
             </a:extLst>
           </p:cNvPr>
@@ -3491,31 +3506,29 @@
             <p:ph type="title"/>
           </p:nvPr>
         </p:nvSpPr>
-        <p:spPr>
-          <a:solidFill>
-            <a:schemeClr val="accent1">
-              <a:lumMod val="60000"/>
-              <a:lumOff val="40000"/>
-            </a:schemeClr>
-          </a:solidFill>
-        </p:spPr>
+        <p:spPr/>
         <p:txBody>
           <a:bodyPr/>
           <a:lstStyle/>
           <a:p>
             <a:r>
               <a:rPr lang="pt-BR" dirty="0"/>
-              <a:t>Exemplo com Pandas DATAFRAME:</a:t>
-            </a:r>
+              <a:t>O mesmo sem o método Figure do </a:t>
+            </a:r>
+            <a:r>
+              <a:rPr lang="pt-BR" dirty="0" err="1"/>
+              <a:t>MatplotLib</a:t>
+            </a:r>
+            <a:endParaRPr lang="pt-BR" dirty="0"/>
           </a:p>
         </p:txBody>
       </p:sp>
       <p:pic>
         <p:nvPicPr>
-          <p:cNvPr id="11" name="Imagem 10">
-            <a:extLst>
-              <a:ext uri="{FF2B5EF4-FFF2-40B4-BE49-F238E27FC236}">
-                <a16:creationId xmlns:a16="http://schemas.microsoft.com/office/drawing/2014/main" id="{FA4F16DA-9EA6-FC75-D11B-708B2954B2D5}"/>
+          <p:cNvPr id="5" name="Imagem 4">
+            <a:extLst>
+              <a:ext uri="{FF2B5EF4-FFF2-40B4-BE49-F238E27FC236}">
+                <a16:creationId xmlns:a16="http://schemas.microsoft.com/office/drawing/2014/main" id="{B406BBBF-F55C-CCB5-E0CB-D00F6E672E62}"/>
               </a:ext>
             </a:extLst>
           </p:cNvPr>
@@ -3526,13 +3539,13 @@
         </p:nvPicPr>
         <p:blipFill rotWithShape="1">
           <a:blip r:embed="rId2"/>
-          <a:srcRect l="22500" t="7902" r="27826" b="51499"/>
+          <a:srcRect l="22099" t="2645" r="35392" b="23762"/>
           <a:stretch/>
         </p:blipFill>
         <p:spPr>
           <a:xfrm>
-            <a:off x="1143986" y="1941789"/>
-            <a:ext cx="9904028" cy="4551086"/>
+            <a:off x="2716695" y="1838877"/>
+            <a:ext cx="4781511" cy="4653998"/>
           </a:xfrm>
           <a:prstGeom prst="rect">
             <a:avLst/>
@@ -3542,7 +3555,7 @@
     </p:spTree>
     <p:extLst>
       <p:ext uri="{BB962C8B-B14F-4D97-AF65-F5344CB8AC3E}">
-        <p14:creationId xmlns:p14="http://schemas.microsoft.com/office/powerpoint/2010/main" val="3985661520"/>
+        <p14:creationId xmlns:p14="http://schemas.microsoft.com/office/powerpoint/2010/main" val="2462378979"/>
       </p:ext>
     </p:extLst>
   </p:cSld>
@@ -3569,12 +3582,40 @@
           <a:chExt cx="0" cy="0"/>
         </a:xfrm>
       </p:grpSpPr>
+      <p:sp>
+        <p:nvSpPr>
+          <p:cNvPr id="2" name="Título 1">
+            <a:extLst>
+              <a:ext uri="{FF2B5EF4-FFF2-40B4-BE49-F238E27FC236}">
+                <a16:creationId xmlns:a16="http://schemas.microsoft.com/office/drawing/2014/main" id="{6E2B1E2B-5705-ACA5-01C0-4B3FF84F3B15}"/>
+              </a:ext>
+            </a:extLst>
+          </p:cNvPr>
+          <p:cNvSpPr>
+            <a:spLocks noGrp="1"/>
+          </p:cNvSpPr>
+          <p:nvPr>
+            <p:ph type="title"/>
+          </p:nvPr>
+        </p:nvSpPr>
+        <p:spPr/>
+        <p:txBody>
+          <a:bodyPr/>
+          <a:lstStyle/>
+          <a:p>
+            <a:r>
+              <a:rPr lang="pt-BR" dirty="0"/>
+              <a:t>Exemplo com 2 gráficos:</a:t>
+            </a:r>
+          </a:p>
+        </p:txBody>
+      </p:sp>
       <p:pic>
         <p:nvPicPr>
-          <p:cNvPr id="7" name="Imagem 6">
-            <a:extLst>
-              <a:ext uri="{FF2B5EF4-FFF2-40B4-BE49-F238E27FC236}">
-                <a16:creationId xmlns:a16="http://schemas.microsoft.com/office/drawing/2014/main" id="{4D4BF5B3-5242-1331-D1D6-9BBDA7FD753C}"/>
+          <p:cNvPr id="6" name="Imagem 5">
+            <a:extLst>
+              <a:ext uri="{FF2B5EF4-FFF2-40B4-BE49-F238E27FC236}">
+                <a16:creationId xmlns:a16="http://schemas.microsoft.com/office/drawing/2014/main" id="{B9876407-D79D-4BB3-B88A-EA21543FAB86}"/>
               </a:ext>
             </a:extLst>
           </p:cNvPr>
@@ -3585,13 +3626,13 @@
         </p:nvPicPr>
         <p:blipFill rotWithShape="1">
           <a:blip r:embed="rId2"/>
-          <a:srcRect l="22174" t="16989" r="31522" b="29458"/>
+          <a:srcRect l="21304" t="2875" r="37391" b="33645"/>
           <a:stretch/>
         </p:blipFill>
         <p:spPr>
           <a:xfrm>
-            <a:off x="834887" y="646164"/>
-            <a:ext cx="10283687" cy="5767372"/>
+            <a:off x="838200" y="1470992"/>
+            <a:ext cx="5811850" cy="5021883"/>
           </a:xfrm>
           <a:prstGeom prst="rect">
             <a:avLst/>
@@ -3601,7 +3642,7 @@
     </p:spTree>
     <p:extLst>
       <p:ext uri="{BB962C8B-B14F-4D97-AF65-F5344CB8AC3E}">
-        <p14:creationId xmlns:p14="http://schemas.microsoft.com/office/powerpoint/2010/main" val="1167231875"/>
+        <p14:creationId xmlns:p14="http://schemas.microsoft.com/office/powerpoint/2010/main" val="840641993"/>
       </p:ext>
     </p:extLst>
   </p:cSld>
@@ -3628,12 +3669,62 @@
           <a:chExt cx="0" cy="0"/>
         </a:xfrm>
       </p:grpSpPr>
+      <p:sp>
+        <p:nvSpPr>
+          <p:cNvPr id="2" name="Título 1">
+            <a:extLst>
+              <a:ext uri="{FF2B5EF4-FFF2-40B4-BE49-F238E27FC236}">
+                <a16:creationId xmlns:a16="http://schemas.microsoft.com/office/drawing/2014/main" id="{F3E624D2-4238-C52B-C2C8-CBDA94100447}"/>
+              </a:ext>
+            </a:extLst>
+          </p:cNvPr>
+          <p:cNvSpPr>
+            <a:spLocks noGrp="1"/>
+          </p:cNvSpPr>
+          <p:nvPr>
+            <p:ph type="title"/>
+          </p:nvPr>
+        </p:nvSpPr>
+        <p:spPr/>
+        <p:txBody>
+          <a:bodyPr/>
+          <a:lstStyle/>
+          <a:p>
+            <a:endParaRPr lang="pt-BR"/>
+          </a:p>
+        </p:txBody>
+      </p:sp>
+      <p:sp>
+        <p:nvSpPr>
+          <p:cNvPr id="3" name="Espaço Reservado para Conteúdo 2">
+            <a:extLst>
+              <a:ext uri="{FF2B5EF4-FFF2-40B4-BE49-F238E27FC236}">
+                <a16:creationId xmlns:a16="http://schemas.microsoft.com/office/drawing/2014/main" id="{93257F22-74EC-D716-5FCC-6110247AF9EB}"/>
+              </a:ext>
+            </a:extLst>
+          </p:cNvPr>
+          <p:cNvSpPr>
+            <a:spLocks noGrp="1"/>
+          </p:cNvSpPr>
+          <p:nvPr>
+            <p:ph idx="1"/>
+          </p:nvPr>
+        </p:nvSpPr>
+        <p:spPr/>
+        <p:txBody>
+          <a:bodyPr/>
+          <a:lstStyle/>
+          <a:p>
+            <a:endParaRPr lang="pt-BR"/>
+          </a:p>
+        </p:txBody>
+      </p:sp>
       <p:pic>
         <p:nvPicPr>
           <p:cNvPr id="5" name="Imagem 4">
             <a:extLst>
               <a:ext uri="{FF2B5EF4-FFF2-40B4-BE49-F238E27FC236}">
-                <a16:creationId xmlns:a16="http://schemas.microsoft.com/office/drawing/2014/main" id="{B8985AC1-E0FE-2DCD-186A-F44E8D06A944}"/>
+                <a16:creationId xmlns:a16="http://schemas.microsoft.com/office/drawing/2014/main" id="{8E25EC22-6585-F86F-ADCD-B5D73F4B2441}"/>
               </a:ext>
             </a:extLst>
           </p:cNvPr>
@@ -3642,15 +3733,16 @@
           </p:cNvPicPr>
           <p:nvPr/>
         </p:nvPicPr>
-        <p:blipFill rotWithShape="1">
+        <p:blipFill>
           <a:blip r:embed="rId2"/>
-          <a:srcRect t="3843" r="53043" b="19405"/>
-          <a:stretch/>
+          <a:stretch>
+            <a:fillRect/>
+          </a:stretch>
         </p:blipFill>
         <p:spPr>
           <a:xfrm>
-            <a:off x="-1" y="0"/>
-            <a:ext cx="12192001" cy="6858000"/>
+            <a:off x="0" y="1673"/>
+            <a:ext cx="12192000" cy="6854653"/>
           </a:xfrm>
           <a:prstGeom prst="rect">
             <a:avLst/>
@@ -3660,7 +3752,7 @@
     </p:spTree>
     <p:extLst>
       <p:ext uri="{BB962C8B-B14F-4D97-AF65-F5344CB8AC3E}">
-        <p14:creationId xmlns:p14="http://schemas.microsoft.com/office/powerpoint/2010/main" val="2915394655"/>
+        <p14:creationId xmlns:p14="http://schemas.microsoft.com/office/powerpoint/2010/main" val="3106121812"/>
       </p:ext>
     </p:extLst>
   </p:cSld>
@@ -3692,7 +3784,7 @@
           <p:cNvPr id="2" name="Título 1">
             <a:extLst>
               <a:ext uri="{FF2B5EF4-FFF2-40B4-BE49-F238E27FC236}">
-                <a16:creationId xmlns:a16="http://schemas.microsoft.com/office/drawing/2014/main" id="{3B575E78-2106-7DCE-AABF-D55FAA46BB96}"/>
+                <a16:creationId xmlns:a16="http://schemas.microsoft.com/office/drawing/2014/main" id="{D189689A-32DB-D35E-DB75-AB1EC31488C2}"/>
               </a:ext>
             </a:extLst>
           </p:cNvPr>
@@ -3703,39 +3795,24 @@
             <p:ph type="title"/>
           </p:nvPr>
         </p:nvSpPr>
-        <p:spPr>
-          <a:solidFill>
-            <a:schemeClr val="accent1">
-              <a:lumMod val="60000"/>
-              <a:lumOff val="40000"/>
-            </a:schemeClr>
-          </a:solidFill>
-        </p:spPr>
+        <p:spPr/>
         <p:txBody>
           <a:bodyPr/>
           <a:lstStyle/>
           <a:p>
             <a:r>
               <a:rPr lang="pt-BR" dirty="0"/>
-              <a:t>Usando a função </a:t>
-            </a:r>
-            <a:r>
-              <a:rPr lang="pt-BR" dirty="0" err="1"/>
-              <a:t>groupby</a:t>
-            </a:r>
-            <a:r>
-              <a:rPr lang="pt-BR" dirty="0"/>
-              <a:t> do Pandas:</a:t>
+              <a:t>Outra maneira:</a:t>
             </a:r>
           </a:p>
         </p:txBody>
       </p:sp>
       <p:pic>
         <p:nvPicPr>
-          <p:cNvPr id="4" name="Imagem 3">
-            <a:extLst>
-              <a:ext uri="{FF2B5EF4-FFF2-40B4-BE49-F238E27FC236}">
-                <a16:creationId xmlns:a16="http://schemas.microsoft.com/office/drawing/2014/main" id="{1108F03D-BF3D-42F8-34EC-684F1AF91FBA}"/>
+          <p:cNvPr id="5" name="Imagem 4">
+            <a:extLst>
+              <a:ext uri="{FF2B5EF4-FFF2-40B4-BE49-F238E27FC236}">
+                <a16:creationId xmlns:a16="http://schemas.microsoft.com/office/drawing/2014/main" id="{E55A1962-2181-DAAC-F739-3A85CBCE9EC3}"/>
               </a:ext>
             </a:extLst>
           </p:cNvPr>
@@ -3746,13 +3823,13 @@
         </p:nvPicPr>
         <p:blipFill rotWithShape="1">
           <a:blip r:embed="rId2"/>
-          <a:srcRect l="22174" t="7515" r="28152" b="53238"/>
+          <a:srcRect l="22040" t="3123" r="31347" b="25996"/>
           <a:stretch/>
         </p:blipFill>
         <p:spPr>
           <a:xfrm>
-            <a:off x="838200" y="1942479"/>
-            <a:ext cx="10515599" cy="4671041"/>
+            <a:off x="2266122" y="1825625"/>
+            <a:ext cx="5658678" cy="4837859"/>
           </a:xfrm>
           <a:prstGeom prst="rect">
             <a:avLst/>
@@ -3762,7 +3839,7 @@
     </p:spTree>
     <p:extLst>
       <p:ext uri="{BB962C8B-B14F-4D97-AF65-F5344CB8AC3E}">
-        <p14:creationId xmlns:p14="http://schemas.microsoft.com/office/powerpoint/2010/main" val="4180880407"/>
+        <p14:creationId xmlns:p14="http://schemas.microsoft.com/office/powerpoint/2010/main" val="4068153508"/>
       </p:ext>
     </p:extLst>
   </p:cSld>
@@ -3789,12 +3866,45 @@
           <a:chExt cx="0" cy="0"/>
         </a:xfrm>
       </p:grpSpPr>
+      <p:sp>
+        <p:nvSpPr>
+          <p:cNvPr id="2" name="Título 1">
+            <a:extLst>
+              <a:ext uri="{FF2B5EF4-FFF2-40B4-BE49-F238E27FC236}">
+                <a16:creationId xmlns:a16="http://schemas.microsoft.com/office/drawing/2014/main" id="{EB5EC421-0AA0-C98E-6D41-FF774B95B12C}"/>
+              </a:ext>
+            </a:extLst>
+          </p:cNvPr>
+          <p:cNvSpPr>
+            <a:spLocks noGrp="1"/>
+          </p:cNvSpPr>
+          <p:nvPr>
+            <p:ph type="title"/>
+          </p:nvPr>
+        </p:nvSpPr>
+        <p:spPr/>
+        <p:txBody>
+          <a:bodyPr/>
+          <a:lstStyle/>
+          <a:p>
+            <a:r>
+              <a:rPr lang="pt-BR" dirty="0"/>
+              <a:t>Usando o método </a:t>
+            </a:r>
+            <a:r>
+              <a:rPr lang="pt-BR" dirty="0" err="1"/>
+              <a:t>FigureCanvas</a:t>
+            </a:r>
+            <a:endParaRPr lang="pt-BR" dirty="0"/>
+          </a:p>
+        </p:txBody>
+      </p:sp>
       <p:pic>
         <p:nvPicPr>
           <p:cNvPr id="5" name="Imagem 4">
             <a:extLst>
               <a:ext uri="{FF2B5EF4-FFF2-40B4-BE49-F238E27FC236}">
-                <a16:creationId xmlns:a16="http://schemas.microsoft.com/office/drawing/2014/main" id="{37E99109-790E-74E7-3043-8B7D755CEE9A}"/>
+                <a16:creationId xmlns:a16="http://schemas.microsoft.com/office/drawing/2014/main" id="{D7F14A72-DDF2-E20A-CB33-45629A0B460D}"/>
               </a:ext>
             </a:extLst>
           </p:cNvPr>
@@ -3805,13 +3915,13 @@
         </p:nvPicPr>
         <p:blipFill rotWithShape="1">
           <a:blip r:embed="rId2"/>
-          <a:srcRect l="21957" t="7902" r="35326" b="28618"/>
+          <a:srcRect l="22473" t="2661" r="27699" b="27211"/>
           <a:stretch/>
         </p:blipFill>
         <p:spPr>
           <a:xfrm>
-            <a:off x="1205948" y="0"/>
-            <a:ext cx="8242852" cy="6886849"/>
+            <a:off x="2133600" y="1585420"/>
+            <a:ext cx="6202017" cy="4907455"/>
           </a:xfrm>
           <a:prstGeom prst="rect">
             <a:avLst/>
@@ -3821,7 +3931,7 @@
     </p:spTree>
     <p:extLst>
       <p:ext uri="{BB962C8B-B14F-4D97-AF65-F5344CB8AC3E}">
-        <p14:creationId xmlns:p14="http://schemas.microsoft.com/office/powerpoint/2010/main" val="2090135515"/>
+        <p14:creationId xmlns:p14="http://schemas.microsoft.com/office/powerpoint/2010/main" val="1386567727"/>
       </p:ext>
     </p:extLst>
   </p:cSld>
@@ -3853,7 +3963,7 @@
           <p:cNvPr id="2" name="Título 1">
             <a:extLst>
               <a:ext uri="{FF2B5EF4-FFF2-40B4-BE49-F238E27FC236}">
-                <a16:creationId xmlns:a16="http://schemas.microsoft.com/office/drawing/2014/main" id="{5AF655D0-CDEC-C64D-54AA-093F5C1603A7}"/>
+                <a16:creationId xmlns:a16="http://schemas.microsoft.com/office/drawing/2014/main" id="{26F18042-C830-6C65-3316-6B16F2D28EA9}"/>
               </a:ext>
             </a:extLst>
           </p:cNvPr>
@@ -3864,25 +3974,14 @@
             <p:ph type="title"/>
           </p:nvPr>
         </p:nvSpPr>
-        <p:spPr>
-          <a:solidFill>
-            <a:schemeClr val="accent1">
-              <a:lumMod val="60000"/>
-              <a:lumOff val="40000"/>
-            </a:schemeClr>
-          </a:solidFill>
-        </p:spPr>
-        <p:txBody>
-          <a:bodyPr/>
-          <a:lstStyle/>
-          <a:p>
-            <a:r>
-              <a:rPr lang="pt-BR" dirty="0"/>
-              <a:t>Resultado do </a:t>
-            </a:r>
+        <p:spPr/>
+        <p:txBody>
+          <a:bodyPr/>
+          <a:lstStyle/>
+          <a:p>
             <a:r>
               <a:rPr lang="pt-BR" dirty="0" err="1"/>
-              <a:t>DataFrame</a:t>
+              <a:t>Template</a:t>
             </a:r>
             <a:r>
               <a:rPr lang="pt-BR" dirty="0"/>
@@ -3896,7 +3995,7 @@
           <p:cNvPr id="5" name="Imagem 4">
             <a:extLst>
               <a:ext uri="{FF2B5EF4-FFF2-40B4-BE49-F238E27FC236}">
-                <a16:creationId xmlns:a16="http://schemas.microsoft.com/office/drawing/2014/main" id="{64D3570D-64EA-F097-0F35-CCB3FE3C31A6}"/>
+                <a16:creationId xmlns:a16="http://schemas.microsoft.com/office/drawing/2014/main" id="{61901C86-B810-4441-568B-C43011877249}"/>
               </a:ext>
             </a:extLst>
           </p:cNvPr>
@@ -3907,13 +4006,13 @@
         </p:nvPicPr>
         <p:blipFill rotWithShape="1">
           <a:blip r:embed="rId2"/>
-          <a:srcRect l="6875" t="26697" r="62283" b="46472"/>
+          <a:srcRect l="23033" t="2958" r="44038" b="50750"/>
           <a:stretch/>
         </p:blipFill>
         <p:spPr>
           <a:xfrm>
-            <a:off x="2317821" y="2459313"/>
-            <a:ext cx="5527466" cy="2703443"/>
+            <a:off x="3061252" y="1563756"/>
+            <a:ext cx="6268277" cy="4954403"/>
           </a:xfrm>
           <a:prstGeom prst="rect">
             <a:avLst/>
@@ -3923,7 +4022,7 @@
     </p:spTree>
     <p:extLst>
       <p:ext uri="{BB962C8B-B14F-4D97-AF65-F5344CB8AC3E}">
-        <p14:creationId xmlns:p14="http://schemas.microsoft.com/office/powerpoint/2010/main" val="2845355853"/>
+        <p14:creationId xmlns:p14="http://schemas.microsoft.com/office/powerpoint/2010/main" val="3724159798"/>
       </p:ext>
     </p:extLst>
   </p:cSld>
@@ -3950,12 +4049,62 @@
           <a:chExt cx="0" cy="0"/>
         </a:xfrm>
       </p:grpSpPr>
+      <p:sp>
+        <p:nvSpPr>
+          <p:cNvPr id="2" name="Título 1">
+            <a:extLst>
+              <a:ext uri="{FF2B5EF4-FFF2-40B4-BE49-F238E27FC236}">
+                <a16:creationId xmlns:a16="http://schemas.microsoft.com/office/drawing/2014/main" id="{60F9B33B-142A-C305-6BEF-0ED0031B313F}"/>
+              </a:ext>
+            </a:extLst>
+          </p:cNvPr>
+          <p:cNvSpPr>
+            <a:spLocks noGrp="1"/>
+          </p:cNvSpPr>
+          <p:nvPr>
+            <p:ph type="title"/>
+          </p:nvPr>
+        </p:nvSpPr>
+        <p:spPr/>
+        <p:txBody>
+          <a:bodyPr/>
+          <a:lstStyle/>
+          <a:p>
+            <a:endParaRPr lang="pt-BR"/>
+          </a:p>
+        </p:txBody>
+      </p:sp>
+      <p:sp>
+        <p:nvSpPr>
+          <p:cNvPr id="3" name="Espaço Reservado para Conteúdo 2">
+            <a:extLst>
+              <a:ext uri="{FF2B5EF4-FFF2-40B4-BE49-F238E27FC236}">
+                <a16:creationId xmlns:a16="http://schemas.microsoft.com/office/drawing/2014/main" id="{64617995-7A12-60E3-3B8E-E7A3878D6311}"/>
+              </a:ext>
+            </a:extLst>
+          </p:cNvPr>
+          <p:cNvSpPr>
+            <a:spLocks noGrp="1"/>
+          </p:cNvSpPr>
+          <p:nvPr>
+            <p:ph idx="1"/>
+          </p:nvPr>
+        </p:nvSpPr>
+        <p:spPr/>
+        <p:txBody>
+          <a:bodyPr/>
+          <a:lstStyle/>
+          <a:p>
+            <a:endParaRPr lang="pt-BR"/>
+          </a:p>
+        </p:txBody>
+      </p:sp>
       <p:pic>
         <p:nvPicPr>
           <p:cNvPr id="5" name="Imagem 4">
             <a:extLst>
               <a:ext uri="{FF2B5EF4-FFF2-40B4-BE49-F238E27FC236}">
-                <a16:creationId xmlns:a16="http://schemas.microsoft.com/office/drawing/2014/main" id="{E85C96F1-DA1A-2E94-4FBE-A0258177EB2F}"/>
+                <a16:creationId xmlns:a16="http://schemas.microsoft.com/office/drawing/2014/main" id="{7E1EF9EB-AA26-D6F8-8AFE-594F07CB69CD}"/>
               </a:ext>
             </a:extLst>
           </p:cNvPr>
@@ -3964,15 +4113,16 @@
           </p:cNvPicPr>
           <p:nvPr/>
         </p:nvPicPr>
-        <p:blipFill rotWithShape="1">
+        <p:blipFill>
           <a:blip r:embed="rId2"/>
-          <a:srcRect t="3334" r="52826" b="20566"/>
-          <a:stretch/>
+          <a:stretch>
+            <a:fillRect/>
+          </a:stretch>
         </p:blipFill>
         <p:spPr>
           <a:xfrm>
-            <a:off x="0" y="0"/>
-            <a:ext cx="12192000" cy="6858000"/>
+            <a:off x="0" y="1673"/>
+            <a:ext cx="12192000" cy="6854653"/>
           </a:xfrm>
           <a:prstGeom prst="rect">
             <a:avLst/>
@@ -3982,7 +4132,7 @@
     </p:spTree>
     <p:extLst>
       <p:ext uri="{BB962C8B-B14F-4D97-AF65-F5344CB8AC3E}">
-        <p14:creationId xmlns:p14="http://schemas.microsoft.com/office/powerpoint/2010/main" val="2579341744"/>
+        <p14:creationId xmlns:p14="http://schemas.microsoft.com/office/powerpoint/2010/main" val="3876930579"/>
       </p:ext>
     </p:extLst>
   </p:cSld>
@@ -4014,7 +4164,7 @@
           <p:cNvPr id="2" name="Título 1">
             <a:extLst>
               <a:ext uri="{FF2B5EF4-FFF2-40B4-BE49-F238E27FC236}">
-                <a16:creationId xmlns:a16="http://schemas.microsoft.com/office/drawing/2014/main" id="{9AC358AC-076C-2BAF-E4D9-BD750E2B8E15}"/>
+                <a16:creationId xmlns:a16="http://schemas.microsoft.com/office/drawing/2014/main" id="{C12F27B4-4107-5E80-2D89-6ABE661D9A0E}"/>
               </a:ext>
             </a:extLst>
           </p:cNvPr>
@@ -4027,9 +4177,9 @@
         </p:nvSpPr>
         <p:spPr>
           <a:solidFill>
-            <a:schemeClr val="accent3">
-              <a:lumMod val="20000"/>
-              <a:lumOff val="80000"/>
+            <a:schemeClr val="accent1">
+              <a:lumMod val="60000"/>
+              <a:lumOff val="40000"/>
             </a:schemeClr>
           </a:solidFill>
         </p:spPr>
@@ -4039,70 +4189,81 @@
           <a:p>
             <a:r>
               <a:rPr lang="pt-BR" dirty="0"/>
-              <a:t>Exercício: Fazer o gráfico de barras para o </a:t>
-            </a:r>
-            <a:r>
-              <a:rPr lang="pt-BR" dirty="0" err="1"/>
-              <a:t>DataFrame</a:t>
-            </a:r>
-            <a:r>
-              <a:rPr lang="pt-BR" dirty="0"/>
-              <a:t> 2</a:t>
-            </a:r>
-          </a:p>
-        </p:txBody>
-      </p:sp>
-      <p:sp>
-        <p:nvSpPr>
-          <p:cNvPr id="3" name="Espaço Reservado para Conteúdo 2">
-            <a:extLst>
-              <a:ext uri="{FF2B5EF4-FFF2-40B4-BE49-F238E27FC236}">
-                <a16:creationId xmlns:a16="http://schemas.microsoft.com/office/drawing/2014/main" id="{AD221E55-E4F0-D401-B397-7882579C6F9E}"/>
-              </a:ext>
-            </a:extLst>
-          </p:cNvPr>
-          <p:cNvSpPr>
-            <a:spLocks noGrp="1"/>
-          </p:cNvSpPr>
-          <p:nvPr>
-            <p:ph idx="1"/>
-          </p:nvPr>
-        </p:nvSpPr>
-        <p:spPr/>
-        <p:txBody>
-          <a:bodyPr/>
-          <a:lstStyle/>
-          <a:p>
-            <a:pPr marL="0" indent="0">
-              <a:buNone/>
-            </a:pPr>
-            <a:r>
-              <a:rPr lang="pt-BR" dirty="0"/>
-              <a:t>Com as variáveis ‘</a:t>
-            </a:r>
-            <a:r>
-              <a:rPr lang="pt-BR" dirty="0" err="1"/>
-              <a:t>Qualification</a:t>
-            </a:r>
-            <a:r>
-              <a:rPr lang="pt-BR" dirty="0"/>
-              <a:t>’ e ‘</a:t>
-            </a:r>
-            <a:r>
-              <a:rPr lang="pt-BR" dirty="0" err="1"/>
-              <a:t>Salary</a:t>
-            </a:r>
-            <a:r>
-              <a:rPr lang="pt-BR" dirty="0"/>
-              <a:t>’</a:t>
-            </a:r>
+              <a:t>Exemplo com Pandas DATAFRAME:</a:t>
+            </a:r>
+          </a:p>
+        </p:txBody>
+      </p:sp>
+      <p:pic>
+        <p:nvPicPr>
+          <p:cNvPr id="11" name="Imagem 10">
+            <a:extLst>
+              <a:ext uri="{FF2B5EF4-FFF2-40B4-BE49-F238E27FC236}">
+                <a16:creationId xmlns:a16="http://schemas.microsoft.com/office/drawing/2014/main" id="{FA4F16DA-9EA6-FC75-D11B-708B2954B2D5}"/>
+              </a:ext>
+            </a:extLst>
+          </p:cNvPr>
+          <p:cNvPicPr>
+            <a:picLocks noChangeAspect="1"/>
+          </p:cNvPicPr>
+          <p:nvPr/>
+        </p:nvPicPr>
+        <p:blipFill rotWithShape="1">
+          <a:blip r:embed="rId2"/>
+          <a:srcRect l="22500" t="7902" r="27826" b="51499"/>
+          <a:stretch/>
+        </p:blipFill>
+        <p:spPr>
+          <a:xfrm>
+            <a:off x="1143986" y="1941789"/>
+            <a:ext cx="9904028" cy="4551086"/>
+          </a:xfrm>
+          <a:prstGeom prst="rect">
+            <a:avLst/>
+          </a:prstGeom>
+        </p:spPr>
+      </p:pic>
+      <p:sp>
+        <p:nvSpPr>
+          <p:cNvPr id="3" name="CaixaDeTexto 2">
+            <a:extLst>
+              <a:ext uri="{FF2B5EF4-FFF2-40B4-BE49-F238E27FC236}">
+                <a16:creationId xmlns:a16="http://schemas.microsoft.com/office/drawing/2014/main" id="{1E5B20FF-D4EA-F4E5-BD6C-7B7866279167}"/>
+              </a:ext>
+            </a:extLst>
+          </p:cNvPr>
+          <p:cNvSpPr txBox="1"/>
+          <p:nvPr/>
+        </p:nvSpPr>
+        <p:spPr>
+          <a:xfrm>
+            <a:off x="1806742" y="3143892"/>
+            <a:ext cx="8829174" cy="285108"/>
+          </a:xfrm>
+          <a:prstGeom prst="rect">
+            <a:avLst/>
+          </a:prstGeom>
+          <a:solidFill>
+            <a:schemeClr val="tx1">
+              <a:lumMod val="95000"/>
+              <a:lumOff val="5000"/>
+            </a:schemeClr>
+          </a:solidFill>
+        </p:spPr>
+        <p:txBody>
+          <a:bodyPr wrap="square" rtlCol="0">
+            <a:spAutoFit/>
+          </a:bodyPr>
+          <a:lstStyle/>
+          <a:p>
+            <a:endParaRPr lang="pt-BR" sz="1100" dirty="0"/>
           </a:p>
         </p:txBody>
       </p:sp>
     </p:spTree>
     <p:extLst>
       <p:ext uri="{BB962C8B-B14F-4D97-AF65-F5344CB8AC3E}">
-        <p14:creationId xmlns:p14="http://schemas.microsoft.com/office/powerpoint/2010/main" val="3468580173"/>
+        <p14:creationId xmlns:p14="http://schemas.microsoft.com/office/powerpoint/2010/main" val="3985661520"/>
       </p:ext>
     </p:extLst>
   </p:cSld>
@@ -4129,116 +4290,76 @@
           <a:chExt cx="0" cy="0"/>
         </a:xfrm>
       </p:grpSpPr>
-      <p:sp>
-        <p:nvSpPr>
-          <p:cNvPr id="2" name="Título 1">
-            <a:extLst>
-              <a:ext uri="{FF2B5EF4-FFF2-40B4-BE49-F238E27FC236}">
-                <a16:creationId xmlns:a16="http://schemas.microsoft.com/office/drawing/2014/main" id="{83A0E9A6-E260-9A11-D80F-9C4C8DD8AB7A}"/>
-              </a:ext>
-            </a:extLst>
-          </p:cNvPr>
-          <p:cNvSpPr>
-            <a:spLocks noGrp="1"/>
-          </p:cNvSpPr>
-          <p:nvPr>
-            <p:ph type="title"/>
-          </p:nvPr>
-        </p:nvSpPr>
-        <p:spPr>
+      <p:pic>
+        <p:nvPicPr>
+          <p:cNvPr id="7" name="Imagem 6">
+            <a:extLst>
+              <a:ext uri="{FF2B5EF4-FFF2-40B4-BE49-F238E27FC236}">
+                <a16:creationId xmlns:a16="http://schemas.microsoft.com/office/drawing/2014/main" id="{4D4BF5B3-5242-1331-D1D6-9BBDA7FD753C}"/>
+              </a:ext>
+            </a:extLst>
+          </p:cNvPr>
+          <p:cNvPicPr>
+            <a:picLocks noChangeAspect="1"/>
+          </p:cNvPicPr>
+          <p:nvPr/>
+        </p:nvPicPr>
+        <p:blipFill rotWithShape="1">
+          <a:blip r:embed="rId2"/>
+          <a:srcRect l="22174" t="16989" r="31522" b="29458"/>
+          <a:stretch/>
+        </p:blipFill>
+        <p:spPr>
+          <a:xfrm>
+            <a:off x="834887" y="646164"/>
+            <a:ext cx="10283687" cy="5767372"/>
+          </a:xfrm>
+          <a:prstGeom prst="rect">
+            <a:avLst/>
+          </a:prstGeom>
+        </p:spPr>
+      </p:pic>
+      <p:sp>
+        <p:nvSpPr>
+          <p:cNvPr id="2" name="CaixaDeTexto 1">
+            <a:extLst>
+              <a:ext uri="{FF2B5EF4-FFF2-40B4-BE49-F238E27FC236}">
+                <a16:creationId xmlns:a16="http://schemas.microsoft.com/office/drawing/2014/main" id="{0182AE8D-792A-3811-3242-56EB5563AA39}"/>
+              </a:ext>
+            </a:extLst>
+          </p:cNvPr>
+          <p:cNvSpPr txBox="1"/>
+          <p:nvPr/>
+        </p:nvSpPr>
+        <p:spPr>
+          <a:xfrm>
+            <a:off x="1830806" y="3625154"/>
+            <a:ext cx="4265194" cy="321203"/>
+          </a:xfrm>
+          <a:prstGeom prst="rect">
+            <a:avLst/>
+          </a:prstGeom>
           <a:solidFill>
-            <a:schemeClr val="accent1">
-              <a:lumMod val="60000"/>
-              <a:lumOff val="40000"/>
+            <a:schemeClr val="tx1">
+              <a:lumMod val="95000"/>
+              <a:lumOff val="5000"/>
             </a:schemeClr>
           </a:solidFill>
         </p:spPr>
         <p:txBody>
-          <a:bodyPr/>
-          <a:lstStyle/>
-          <a:p>
-            <a:r>
-              <a:rPr lang="pt-BR" dirty="0" err="1"/>
-              <a:t>DataFrame</a:t>
-            </a:r>
-            <a:r>
-              <a:rPr lang="pt-BR" dirty="0"/>
-              <a:t> para Formulário HTML:</a:t>
-            </a:r>
-          </a:p>
-        </p:txBody>
-      </p:sp>
-      <p:sp>
-        <p:nvSpPr>
-          <p:cNvPr id="3" name="Espaço Reservado para Conteúdo 2">
-            <a:extLst>
-              <a:ext uri="{FF2B5EF4-FFF2-40B4-BE49-F238E27FC236}">
-                <a16:creationId xmlns:a16="http://schemas.microsoft.com/office/drawing/2014/main" id="{3DD27175-E56F-9696-8A1A-B2D85EED8086}"/>
-              </a:ext>
-            </a:extLst>
-          </p:cNvPr>
-          <p:cNvSpPr>
-            <a:spLocks noGrp="1"/>
-          </p:cNvSpPr>
-          <p:nvPr>
-            <p:ph idx="1"/>
-          </p:nvPr>
-        </p:nvSpPr>
-        <p:spPr>
-          <a:xfrm>
-            <a:off x="838200" y="1825625"/>
-            <a:ext cx="10515600" cy="1884984"/>
-          </a:xfrm>
-          <a:ln>
-            <a:solidFill>
-              <a:schemeClr val="accent1"/>
-            </a:solidFill>
-          </a:ln>
-        </p:spPr>
-        <p:txBody>
-          <a:bodyPr/>
-          <a:lstStyle/>
-          <a:p>
-            <a:r>
-              <a:rPr lang="en-US" dirty="0"/>
-              <a:t>@app.route(‘/form')</a:t>
-            </a:r>
-          </a:p>
-          <a:p>
-            <a:r>
-              <a:rPr lang="en-US" dirty="0"/>
-              <a:t>def form():</a:t>
-            </a:r>
-          </a:p>
-          <a:p>
-            <a:r>
-              <a:rPr lang="en-US" dirty="0"/>
-              <a:t>    return </a:t>
-            </a:r>
-            <a:r>
-              <a:rPr lang="en-US" dirty="0" err="1"/>
-              <a:t>render_template</a:t>
-            </a:r>
-            <a:r>
-              <a:rPr lang="en-US" dirty="0"/>
-              <a:t>(‘form.html', table=[</a:t>
-            </a:r>
-            <a:r>
-              <a:rPr lang="en-US" dirty="0" err="1"/>
-              <a:t>df.to_html</a:t>
-            </a:r>
-            <a:r>
-              <a:rPr lang="en-US" dirty="0"/>
-              <a:t>()], titles=[''])</a:t>
-            </a:r>
-            <a:endParaRPr lang="pt-BR" dirty="0"/>
+          <a:bodyPr wrap="square" rtlCol="0">
+            <a:spAutoFit/>
+          </a:bodyPr>
+          <a:lstStyle/>
+          <a:p>
+            <a:endParaRPr lang="pt-BR" sz="1100" dirty="0"/>
           </a:p>
         </p:txBody>
       </p:sp>
     </p:spTree>
     <p:extLst>
       <p:ext uri="{BB962C8B-B14F-4D97-AF65-F5344CB8AC3E}">
-        <p14:creationId xmlns:p14="http://schemas.microsoft.com/office/powerpoint/2010/main" val="2757683761"/>
+        <p14:creationId xmlns:p14="http://schemas.microsoft.com/office/powerpoint/2010/main" val="1167231875"/>
       </p:ext>
     </p:extLst>
   </p:cSld>
@@ -4265,47 +4386,12 @@
           <a:chExt cx="0" cy="0"/>
         </a:xfrm>
       </p:grpSpPr>
-      <p:sp>
-        <p:nvSpPr>
-          <p:cNvPr id="2" name="Título 1">
-            <a:extLst>
-              <a:ext uri="{FF2B5EF4-FFF2-40B4-BE49-F238E27FC236}">
-                <a16:creationId xmlns:a16="http://schemas.microsoft.com/office/drawing/2014/main" id="{008794C7-8F0B-ABF8-33F9-C77F8FB2CFD2}"/>
-              </a:ext>
-            </a:extLst>
-          </p:cNvPr>
-          <p:cNvSpPr>
-            <a:spLocks noGrp="1"/>
-          </p:cNvSpPr>
-          <p:nvPr>
-            <p:ph type="title"/>
-          </p:nvPr>
-        </p:nvSpPr>
-        <p:spPr>
-          <a:solidFill>
-            <a:schemeClr val="accent1">
-              <a:lumMod val="60000"/>
-              <a:lumOff val="40000"/>
-            </a:schemeClr>
-          </a:solidFill>
-        </p:spPr>
-        <p:txBody>
-          <a:bodyPr/>
-          <a:lstStyle/>
-          <a:p>
-            <a:r>
-              <a:rPr lang="pt-BR" dirty="0"/>
-              <a:t>Código:</a:t>
-            </a:r>
-          </a:p>
-        </p:txBody>
-      </p:sp>
       <p:pic>
         <p:nvPicPr>
-          <p:cNvPr id="7" name="Imagem 6">
-            <a:extLst>
-              <a:ext uri="{FF2B5EF4-FFF2-40B4-BE49-F238E27FC236}">
-                <a16:creationId xmlns:a16="http://schemas.microsoft.com/office/drawing/2014/main" id="{4FE608A8-0AF6-C662-57ED-DC7AD18C41A0}"/>
+          <p:cNvPr id="5" name="Imagem 4">
+            <a:extLst>
+              <a:ext uri="{FF2B5EF4-FFF2-40B4-BE49-F238E27FC236}">
+                <a16:creationId xmlns:a16="http://schemas.microsoft.com/office/drawing/2014/main" id="{B8985AC1-E0FE-2DCD-186A-F44E8D06A944}"/>
               </a:ext>
             </a:extLst>
           </p:cNvPr>
@@ -4316,13 +4402,13 @@
         </p:nvPicPr>
         <p:blipFill rotWithShape="1">
           <a:blip r:embed="rId2"/>
-          <a:srcRect l="22718" t="8289" r="32935" b="56332"/>
+          <a:srcRect t="3843" r="53043" b="19405"/>
           <a:stretch/>
         </p:blipFill>
         <p:spPr>
           <a:xfrm>
-            <a:off x="1099930" y="1842052"/>
-            <a:ext cx="10031896" cy="4499601"/>
+            <a:off x="-1" y="0"/>
+            <a:ext cx="12192001" cy="6858000"/>
           </a:xfrm>
           <a:prstGeom prst="rect">
             <a:avLst/>
@@ -4332,7 +4418,7 @@
     </p:spTree>
     <p:extLst>
       <p:ext uri="{BB962C8B-B14F-4D97-AF65-F5344CB8AC3E}">
-        <p14:creationId xmlns:p14="http://schemas.microsoft.com/office/powerpoint/2010/main" val="2239705404"/>
+        <p14:creationId xmlns:p14="http://schemas.microsoft.com/office/powerpoint/2010/main" val="2915394655"/>
       </p:ext>
     </p:extLst>
   </p:cSld>
@@ -4401,7 +4487,7 @@
             </a:r>
             <a:r>
               <a:rPr lang="pt-BR" dirty="0" err="1"/>
-              <a:t>matpoltlib</a:t>
+              <a:t>matplotlib</a:t>
             </a:r>
             <a:r>
               <a:rPr lang="pt-BR" dirty="0"/>
@@ -4453,7 +4539,7 @@
           <p:cNvPr id="2" name="Título 1">
             <a:extLst>
               <a:ext uri="{FF2B5EF4-FFF2-40B4-BE49-F238E27FC236}">
-                <a16:creationId xmlns:a16="http://schemas.microsoft.com/office/drawing/2014/main" id="{68BA27D0-8B3C-8DB9-0D3A-A8D9A82BD234}"/>
+                <a16:creationId xmlns:a16="http://schemas.microsoft.com/office/drawing/2014/main" id="{3B575E78-2106-7DCE-AABF-D55FAA46BB96}"/>
               </a:ext>
             </a:extLst>
           </p:cNvPr>
@@ -4477,22 +4563,26 @@
           <a:lstStyle/>
           <a:p>
             <a:r>
+              <a:rPr lang="pt-BR" dirty="0"/>
+              <a:t>Usando a função </a:t>
+            </a:r>
+            <a:r>
               <a:rPr lang="pt-BR" dirty="0" err="1"/>
-              <a:t>Template</a:t>
+              <a:t>groupby</a:t>
             </a:r>
             <a:r>
               <a:rPr lang="pt-BR" dirty="0"/>
-              <a:t>:</a:t>
+              <a:t> do Pandas:</a:t>
             </a:r>
           </a:p>
         </p:txBody>
       </p:sp>
       <p:pic>
         <p:nvPicPr>
-          <p:cNvPr id="5" name="Imagem 4">
-            <a:extLst>
-              <a:ext uri="{FF2B5EF4-FFF2-40B4-BE49-F238E27FC236}">
-                <a16:creationId xmlns:a16="http://schemas.microsoft.com/office/drawing/2014/main" id="{2B30BDFB-88E6-ABD9-7178-D92E0F489EBB}"/>
+          <p:cNvPr id="4" name="Imagem 3">
+            <a:extLst>
+              <a:ext uri="{FF2B5EF4-FFF2-40B4-BE49-F238E27FC236}">
+                <a16:creationId xmlns:a16="http://schemas.microsoft.com/office/drawing/2014/main" id="{1108F03D-BF3D-42F8-34EC-684F1AF91FBA}"/>
               </a:ext>
             </a:extLst>
           </p:cNvPr>
@@ -4503,23 +4593,60 @@
         </p:nvPicPr>
         <p:blipFill rotWithShape="1">
           <a:blip r:embed="rId2"/>
-          <a:srcRect l="22282" t="9643" r="49131" b="54398"/>
+          <a:srcRect l="22174" t="7515" r="28152" b="53238"/>
           <a:stretch/>
         </p:blipFill>
         <p:spPr>
           <a:xfrm>
-            <a:off x="2464905" y="2050083"/>
-            <a:ext cx="6282012" cy="4442792"/>
+            <a:off x="838200" y="1942479"/>
+            <a:ext cx="10515599" cy="4671041"/>
           </a:xfrm>
           <a:prstGeom prst="rect">
             <a:avLst/>
           </a:prstGeom>
         </p:spPr>
       </p:pic>
+      <p:sp>
+        <p:nvSpPr>
+          <p:cNvPr id="3" name="CaixaDeTexto 2">
+            <a:extLst>
+              <a:ext uri="{FF2B5EF4-FFF2-40B4-BE49-F238E27FC236}">
+                <a16:creationId xmlns:a16="http://schemas.microsoft.com/office/drawing/2014/main" id="{4F3143B2-58AD-1D25-19DA-B2D3F794E6D5}"/>
+              </a:ext>
+            </a:extLst>
+          </p:cNvPr>
+          <p:cNvSpPr txBox="1"/>
+          <p:nvPr/>
+        </p:nvSpPr>
+        <p:spPr>
+          <a:xfrm>
+            <a:off x="1806742" y="3286445"/>
+            <a:ext cx="9178090" cy="286933"/>
+          </a:xfrm>
+          <a:prstGeom prst="rect">
+            <a:avLst/>
+          </a:prstGeom>
+          <a:solidFill>
+            <a:schemeClr val="tx1">
+              <a:lumMod val="95000"/>
+              <a:lumOff val="5000"/>
+            </a:schemeClr>
+          </a:solidFill>
+        </p:spPr>
+        <p:txBody>
+          <a:bodyPr wrap="square" rtlCol="0">
+            <a:spAutoFit/>
+          </a:bodyPr>
+          <a:lstStyle/>
+          <a:p>
+            <a:endParaRPr lang="pt-BR" sz="1100" dirty="0"/>
+          </a:p>
+        </p:txBody>
+      </p:sp>
     </p:spTree>
     <p:extLst>
       <p:ext uri="{BB962C8B-B14F-4D97-AF65-F5344CB8AC3E}">
-        <p14:creationId xmlns:p14="http://schemas.microsoft.com/office/powerpoint/2010/main" val="4021669291"/>
+        <p14:creationId xmlns:p14="http://schemas.microsoft.com/office/powerpoint/2010/main" val="4180880407"/>
       </p:ext>
     </p:extLst>
   </p:cSld>
@@ -4546,47 +4673,12 @@
           <a:chExt cx="0" cy="0"/>
         </a:xfrm>
       </p:grpSpPr>
-      <p:sp>
-        <p:nvSpPr>
-          <p:cNvPr id="2" name="Título 1">
-            <a:extLst>
-              <a:ext uri="{FF2B5EF4-FFF2-40B4-BE49-F238E27FC236}">
-                <a16:creationId xmlns:a16="http://schemas.microsoft.com/office/drawing/2014/main" id="{10299460-1569-EE14-C31D-41A7337E7B4D}"/>
-              </a:ext>
-            </a:extLst>
-          </p:cNvPr>
-          <p:cNvSpPr>
-            <a:spLocks noGrp="1"/>
-          </p:cNvSpPr>
-          <p:nvPr>
-            <p:ph type="title"/>
-          </p:nvPr>
-        </p:nvSpPr>
-        <p:spPr>
-          <a:solidFill>
-            <a:schemeClr val="accent1">
-              <a:lumMod val="60000"/>
-              <a:lumOff val="40000"/>
-            </a:schemeClr>
-          </a:solidFill>
-        </p:spPr>
-        <p:txBody>
-          <a:bodyPr/>
-          <a:lstStyle/>
-          <a:p>
-            <a:r>
-              <a:rPr lang="pt-BR" dirty="0"/>
-              <a:t>Resultado:</a:t>
-            </a:r>
-          </a:p>
-        </p:txBody>
-      </p:sp>
       <p:pic>
         <p:nvPicPr>
           <p:cNvPr id="5" name="Imagem 4">
             <a:extLst>
               <a:ext uri="{FF2B5EF4-FFF2-40B4-BE49-F238E27FC236}">
-                <a16:creationId xmlns:a16="http://schemas.microsoft.com/office/drawing/2014/main" id="{49CECE25-2490-7749-0078-364C90909741}"/>
+                <a16:creationId xmlns:a16="http://schemas.microsoft.com/office/drawing/2014/main" id="{37E99109-790E-74E7-3043-8B7D755CEE9A}"/>
               </a:ext>
             </a:extLst>
           </p:cNvPr>
@@ -4597,22 +4689,775 @@
         </p:nvPicPr>
         <p:blipFill rotWithShape="1">
           <a:blip r:embed="rId2"/>
-          <a:srcRect t="3842" r="66957" b="67158"/>
+          <a:srcRect l="21957" t="7902" r="35326" b="28618"/>
           <a:stretch/>
         </p:blipFill>
         <p:spPr>
           <a:xfrm>
-            <a:off x="1404732" y="1842052"/>
-            <a:ext cx="8627164" cy="4256826"/>
+            <a:off x="1205948" y="0"/>
+            <a:ext cx="8242852" cy="6886849"/>
           </a:xfrm>
           <a:prstGeom prst="rect">
             <a:avLst/>
           </a:prstGeom>
+        </p:spPr>
+      </p:pic>
+      <p:sp>
+        <p:nvSpPr>
+          <p:cNvPr id="2" name="CaixaDeTexto 1">
+            <a:extLst>
+              <a:ext uri="{FF2B5EF4-FFF2-40B4-BE49-F238E27FC236}">
+                <a16:creationId xmlns:a16="http://schemas.microsoft.com/office/drawing/2014/main" id="{219044A1-D7FE-37B0-158F-03B3A24D789E}"/>
+              </a:ext>
+            </a:extLst>
+          </p:cNvPr>
+          <p:cNvSpPr txBox="1"/>
+          <p:nvPr/>
+        </p:nvSpPr>
+        <p:spPr>
+          <a:xfrm>
+            <a:off x="2263942" y="4371113"/>
+            <a:ext cx="3318711" cy="273076"/>
+          </a:xfrm>
+          <a:prstGeom prst="rect">
+            <a:avLst/>
+          </a:prstGeom>
+          <a:solidFill>
+            <a:schemeClr val="tx1">
+              <a:lumMod val="95000"/>
+              <a:lumOff val="5000"/>
+            </a:schemeClr>
+          </a:solidFill>
+        </p:spPr>
+        <p:txBody>
+          <a:bodyPr wrap="square" rtlCol="0">
+            <a:spAutoFit/>
+          </a:bodyPr>
+          <a:lstStyle/>
+          <a:p>
+            <a:endParaRPr lang="pt-BR" sz="1100" dirty="0"/>
+          </a:p>
+        </p:txBody>
+      </p:sp>
+    </p:spTree>
+    <p:extLst>
+      <p:ext uri="{BB962C8B-B14F-4D97-AF65-F5344CB8AC3E}">
+        <p14:creationId xmlns:p14="http://schemas.microsoft.com/office/powerpoint/2010/main" val="2090135515"/>
+      </p:ext>
+    </p:extLst>
+  </p:cSld>
+  <p:clrMapOvr>
+    <a:masterClrMapping/>
+  </p:clrMapOvr>
+</p:sld>
+</file>
+
+<file path=ppt/slides/slide22.xml><?xml version="1.0" encoding="utf-8"?>
+<p:sld xmlns:a="http://schemas.openxmlformats.org/drawingml/2006/main" xmlns:r="http://schemas.openxmlformats.org/officeDocument/2006/relationships" xmlns:p="http://schemas.openxmlformats.org/presentationml/2006/main">
+  <p:cSld>
+    <p:spTree>
+      <p:nvGrpSpPr>
+        <p:cNvPr id="1" name=""/>
+        <p:cNvGrpSpPr/>
+        <p:nvPr/>
+      </p:nvGrpSpPr>
+      <p:grpSpPr>
+        <a:xfrm>
+          <a:off x="0" y="0"/>
+          <a:ext cx="0" cy="0"/>
+          <a:chOff x="0" y="0"/>
+          <a:chExt cx="0" cy="0"/>
+        </a:xfrm>
+      </p:grpSpPr>
+      <p:sp>
+        <p:nvSpPr>
+          <p:cNvPr id="2" name="Título 1">
+            <a:extLst>
+              <a:ext uri="{FF2B5EF4-FFF2-40B4-BE49-F238E27FC236}">
+                <a16:creationId xmlns:a16="http://schemas.microsoft.com/office/drawing/2014/main" id="{5AF655D0-CDEC-C64D-54AA-093F5C1603A7}"/>
+              </a:ext>
+            </a:extLst>
+          </p:cNvPr>
+          <p:cNvSpPr>
+            <a:spLocks noGrp="1"/>
+          </p:cNvSpPr>
+          <p:nvPr>
+            <p:ph type="title"/>
+          </p:nvPr>
+        </p:nvSpPr>
+        <p:spPr>
+          <a:solidFill>
+            <a:schemeClr val="accent1">
+              <a:lumMod val="60000"/>
+              <a:lumOff val="40000"/>
+            </a:schemeClr>
+          </a:solidFill>
+        </p:spPr>
+        <p:txBody>
+          <a:bodyPr/>
+          <a:lstStyle/>
+          <a:p>
+            <a:r>
+              <a:rPr lang="pt-BR" dirty="0"/>
+              <a:t>Resultado do </a:t>
+            </a:r>
+            <a:r>
+              <a:rPr lang="pt-BR" dirty="0" err="1"/>
+              <a:t>DataFrame</a:t>
+            </a:r>
+            <a:r>
+              <a:rPr lang="pt-BR" dirty="0"/>
+              <a:t>:</a:t>
+            </a:r>
+          </a:p>
+        </p:txBody>
+      </p:sp>
+      <p:pic>
+        <p:nvPicPr>
+          <p:cNvPr id="5" name="Imagem 4">
+            <a:extLst>
+              <a:ext uri="{FF2B5EF4-FFF2-40B4-BE49-F238E27FC236}">
+                <a16:creationId xmlns:a16="http://schemas.microsoft.com/office/drawing/2014/main" id="{64D3570D-64EA-F097-0F35-CCB3FE3C31A6}"/>
+              </a:ext>
+            </a:extLst>
+          </p:cNvPr>
+          <p:cNvPicPr>
+            <a:picLocks noChangeAspect="1"/>
+          </p:cNvPicPr>
+          <p:nvPr/>
+        </p:nvPicPr>
+        <p:blipFill rotWithShape="1">
+          <a:blip r:embed="rId2"/>
+          <a:srcRect l="6875" t="26697" r="62283" b="46472"/>
+          <a:stretch/>
+        </p:blipFill>
+        <p:spPr>
+          <a:xfrm>
+            <a:off x="2317821" y="2459313"/>
+            <a:ext cx="5527466" cy="2703443"/>
+          </a:xfrm>
+          <a:prstGeom prst="rect">
+            <a:avLst/>
+          </a:prstGeom>
+        </p:spPr>
+      </p:pic>
+    </p:spTree>
+    <p:extLst>
+      <p:ext uri="{BB962C8B-B14F-4D97-AF65-F5344CB8AC3E}">
+        <p14:creationId xmlns:p14="http://schemas.microsoft.com/office/powerpoint/2010/main" val="2845355853"/>
+      </p:ext>
+    </p:extLst>
+  </p:cSld>
+  <p:clrMapOvr>
+    <a:masterClrMapping/>
+  </p:clrMapOvr>
+</p:sld>
+</file>
+
+<file path=ppt/slides/slide23.xml><?xml version="1.0" encoding="utf-8"?>
+<p:sld xmlns:a="http://schemas.openxmlformats.org/drawingml/2006/main" xmlns:r="http://schemas.openxmlformats.org/officeDocument/2006/relationships" xmlns:p="http://schemas.openxmlformats.org/presentationml/2006/main">
+  <p:cSld>
+    <p:spTree>
+      <p:nvGrpSpPr>
+        <p:cNvPr id="1" name=""/>
+        <p:cNvGrpSpPr/>
+        <p:nvPr/>
+      </p:nvGrpSpPr>
+      <p:grpSpPr>
+        <a:xfrm>
+          <a:off x="0" y="0"/>
+          <a:ext cx="0" cy="0"/>
+          <a:chOff x="0" y="0"/>
+          <a:chExt cx="0" cy="0"/>
+        </a:xfrm>
+      </p:grpSpPr>
+      <p:pic>
+        <p:nvPicPr>
+          <p:cNvPr id="5" name="Imagem 4">
+            <a:extLst>
+              <a:ext uri="{FF2B5EF4-FFF2-40B4-BE49-F238E27FC236}">
+                <a16:creationId xmlns:a16="http://schemas.microsoft.com/office/drawing/2014/main" id="{E85C96F1-DA1A-2E94-4FBE-A0258177EB2F}"/>
+              </a:ext>
+            </a:extLst>
+          </p:cNvPr>
+          <p:cNvPicPr>
+            <a:picLocks noChangeAspect="1"/>
+          </p:cNvPicPr>
+          <p:nvPr/>
+        </p:nvPicPr>
+        <p:blipFill rotWithShape="1">
+          <a:blip r:embed="rId2"/>
+          <a:srcRect t="3334" r="52826" b="20566"/>
+          <a:stretch/>
+        </p:blipFill>
+        <p:spPr>
+          <a:xfrm>
+            <a:off x="0" y="0"/>
+            <a:ext cx="12192000" cy="6858000"/>
+          </a:xfrm>
+          <a:prstGeom prst="rect">
+            <a:avLst/>
+          </a:prstGeom>
+        </p:spPr>
+      </p:pic>
+    </p:spTree>
+    <p:extLst>
+      <p:ext uri="{BB962C8B-B14F-4D97-AF65-F5344CB8AC3E}">
+        <p14:creationId xmlns:p14="http://schemas.microsoft.com/office/powerpoint/2010/main" val="2579341744"/>
+      </p:ext>
+    </p:extLst>
+  </p:cSld>
+  <p:clrMapOvr>
+    <a:masterClrMapping/>
+  </p:clrMapOvr>
+</p:sld>
+</file>
+
+<file path=ppt/slides/slide24.xml><?xml version="1.0" encoding="utf-8"?>
+<p:sld xmlns:a="http://schemas.openxmlformats.org/drawingml/2006/main" xmlns:r="http://schemas.openxmlformats.org/officeDocument/2006/relationships" xmlns:p="http://schemas.openxmlformats.org/presentationml/2006/main">
+  <p:cSld>
+    <p:spTree>
+      <p:nvGrpSpPr>
+        <p:cNvPr id="1" name=""/>
+        <p:cNvGrpSpPr/>
+        <p:nvPr/>
+      </p:nvGrpSpPr>
+      <p:grpSpPr>
+        <a:xfrm>
+          <a:off x="0" y="0"/>
+          <a:ext cx="0" cy="0"/>
+          <a:chOff x="0" y="0"/>
+          <a:chExt cx="0" cy="0"/>
+        </a:xfrm>
+      </p:grpSpPr>
+      <p:sp>
+        <p:nvSpPr>
+          <p:cNvPr id="2" name="Título 1">
+            <a:extLst>
+              <a:ext uri="{FF2B5EF4-FFF2-40B4-BE49-F238E27FC236}">
+                <a16:creationId xmlns:a16="http://schemas.microsoft.com/office/drawing/2014/main" id="{9AC358AC-076C-2BAF-E4D9-BD750E2B8E15}"/>
+              </a:ext>
+            </a:extLst>
+          </p:cNvPr>
+          <p:cNvSpPr>
+            <a:spLocks noGrp="1"/>
+          </p:cNvSpPr>
+          <p:nvPr>
+            <p:ph type="title"/>
+          </p:nvPr>
+        </p:nvSpPr>
+        <p:spPr>
+          <a:solidFill>
+            <a:schemeClr val="accent3">
+              <a:lumMod val="20000"/>
+              <a:lumOff val="80000"/>
+            </a:schemeClr>
+          </a:solidFill>
+        </p:spPr>
+        <p:txBody>
+          <a:bodyPr/>
+          <a:lstStyle/>
+          <a:p>
+            <a:r>
+              <a:rPr lang="pt-BR" dirty="0"/>
+              <a:t>Exercício: Fazer o gráfico de barras para o </a:t>
+            </a:r>
+            <a:r>
+              <a:rPr lang="pt-BR" dirty="0" err="1"/>
+              <a:t>DataFrame</a:t>
+            </a:r>
+            <a:r>
+              <a:rPr lang="pt-BR" dirty="0"/>
+              <a:t> 2</a:t>
+            </a:r>
+          </a:p>
+        </p:txBody>
+      </p:sp>
+      <p:sp>
+        <p:nvSpPr>
+          <p:cNvPr id="3" name="Espaço Reservado para Conteúdo 2">
+            <a:extLst>
+              <a:ext uri="{FF2B5EF4-FFF2-40B4-BE49-F238E27FC236}">
+                <a16:creationId xmlns:a16="http://schemas.microsoft.com/office/drawing/2014/main" id="{AD221E55-E4F0-D401-B397-7882579C6F9E}"/>
+              </a:ext>
+            </a:extLst>
+          </p:cNvPr>
+          <p:cNvSpPr>
+            <a:spLocks noGrp="1"/>
+          </p:cNvSpPr>
+          <p:nvPr>
+            <p:ph idx="1"/>
+          </p:nvPr>
+        </p:nvSpPr>
+        <p:spPr/>
+        <p:txBody>
+          <a:bodyPr/>
+          <a:lstStyle/>
+          <a:p>
+            <a:pPr marL="0" indent="0">
+              <a:buNone/>
+            </a:pPr>
+            <a:r>
+              <a:rPr lang="pt-BR" dirty="0"/>
+              <a:t>Com as variáveis ‘</a:t>
+            </a:r>
+            <a:r>
+              <a:rPr lang="pt-BR" dirty="0" err="1"/>
+              <a:t>Qualification</a:t>
+            </a:r>
+            <a:r>
+              <a:rPr lang="pt-BR" dirty="0"/>
+              <a:t>’ e ‘</a:t>
+            </a:r>
+            <a:r>
+              <a:rPr lang="pt-BR" dirty="0" err="1"/>
+              <a:t>Salary</a:t>
+            </a:r>
+            <a:r>
+              <a:rPr lang="pt-BR" dirty="0"/>
+              <a:t>’</a:t>
+            </a:r>
+          </a:p>
+        </p:txBody>
+      </p:sp>
+    </p:spTree>
+    <p:extLst>
+      <p:ext uri="{BB962C8B-B14F-4D97-AF65-F5344CB8AC3E}">
+        <p14:creationId xmlns:p14="http://schemas.microsoft.com/office/powerpoint/2010/main" val="3468580173"/>
+      </p:ext>
+    </p:extLst>
+  </p:cSld>
+  <p:clrMapOvr>
+    <a:masterClrMapping/>
+  </p:clrMapOvr>
+</p:sld>
+</file>
+
+<file path=ppt/slides/slide25.xml><?xml version="1.0" encoding="utf-8"?>
+<p:sld xmlns:a="http://schemas.openxmlformats.org/drawingml/2006/main" xmlns:r="http://schemas.openxmlformats.org/officeDocument/2006/relationships" xmlns:p="http://schemas.openxmlformats.org/presentationml/2006/main">
+  <p:cSld>
+    <p:spTree>
+      <p:nvGrpSpPr>
+        <p:cNvPr id="1" name=""/>
+        <p:cNvGrpSpPr/>
+        <p:nvPr/>
+      </p:nvGrpSpPr>
+      <p:grpSpPr>
+        <a:xfrm>
+          <a:off x="0" y="0"/>
+          <a:ext cx="0" cy="0"/>
+          <a:chOff x="0" y="0"/>
+          <a:chExt cx="0" cy="0"/>
+        </a:xfrm>
+      </p:grpSpPr>
+      <p:sp>
+        <p:nvSpPr>
+          <p:cNvPr id="2" name="Título 1">
+            <a:extLst>
+              <a:ext uri="{FF2B5EF4-FFF2-40B4-BE49-F238E27FC236}">
+                <a16:creationId xmlns:a16="http://schemas.microsoft.com/office/drawing/2014/main" id="{83A0E9A6-E260-9A11-D80F-9C4C8DD8AB7A}"/>
+              </a:ext>
+            </a:extLst>
+          </p:cNvPr>
+          <p:cNvSpPr>
+            <a:spLocks noGrp="1"/>
+          </p:cNvSpPr>
+          <p:nvPr>
+            <p:ph type="title"/>
+          </p:nvPr>
+        </p:nvSpPr>
+        <p:spPr>
+          <a:solidFill>
+            <a:schemeClr val="accent1">
+              <a:lumMod val="60000"/>
+              <a:lumOff val="40000"/>
+            </a:schemeClr>
+          </a:solidFill>
+        </p:spPr>
+        <p:txBody>
+          <a:bodyPr/>
+          <a:lstStyle/>
+          <a:p>
+            <a:r>
+              <a:rPr lang="pt-BR" dirty="0" err="1"/>
+              <a:t>DataFrame</a:t>
+            </a:r>
+            <a:r>
+              <a:rPr lang="pt-BR" dirty="0"/>
+              <a:t> para Formulário HTML:</a:t>
+            </a:r>
+          </a:p>
+        </p:txBody>
+      </p:sp>
+      <p:sp>
+        <p:nvSpPr>
+          <p:cNvPr id="3" name="Espaço Reservado para Conteúdo 2">
+            <a:extLst>
+              <a:ext uri="{FF2B5EF4-FFF2-40B4-BE49-F238E27FC236}">
+                <a16:creationId xmlns:a16="http://schemas.microsoft.com/office/drawing/2014/main" id="{3DD27175-E56F-9696-8A1A-B2D85EED8086}"/>
+              </a:ext>
+            </a:extLst>
+          </p:cNvPr>
+          <p:cNvSpPr>
+            <a:spLocks noGrp="1"/>
+          </p:cNvSpPr>
+          <p:nvPr>
+            <p:ph idx="1"/>
+          </p:nvPr>
+        </p:nvSpPr>
+        <p:spPr>
+          <a:xfrm>
+            <a:off x="838200" y="1825625"/>
+            <a:ext cx="10515600" cy="1884984"/>
+          </a:xfrm>
           <a:ln>
             <a:solidFill>
               <a:schemeClr val="accent1"/>
             </a:solidFill>
           </a:ln>
+        </p:spPr>
+        <p:txBody>
+          <a:bodyPr/>
+          <a:lstStyle/>
+          <a:p>
+            <a:r>
+              <a:rPr lang="en-US" dirty="0"/>
+              <a:t>@app.route(‘/tabela')</a:t>
+            </a:r>
+          </a:p>
+          <a:p>
+            <a:r>
+              <a:rPr lang="en-US" dirty="0"/>
+              <a:t>def </a:t>
+            </a:r>
+            <a:r>
+              <a:rPr lang="en-US" dirty="0" err="1"/>
+              <a:t>tabela</a:t>
+            </a:r>
+            <a:r>
+              <a:rPr lang="en-US" dirty="0"/>
+              <a:t>():</a:t>
+            </a:r>
+          </a:p>
+          <a:p>
+            <a:r>
+              <a:rPr lang="en-US" dirty="0"/>
+              <a:t>    return </a:t>
+            </a:r>
+            <a:r>
+              <a:rPr lang="en-US" dirty="0" err="1"/>
+              <a:t>render_template</a:t>
+            </a:r>
+            <a:r>
+              <a:rPr lang="en-US" dirty="0"/>
+              <a:t>(‘tabela.html’, </a:t>
+            </a:r>
+            <a:r>
+              <a:rPr lang="en-US" dirty="0" err="1"/>
+              <a:t>tabela</a:t>
+            </a:r>
+            <a:r>
+              <a:rPr lang="en-US" dirty="0"/>
+              <a:t>=[</a:t>
+            </a:r>
+            <a:r>
+              <a:rPr lang="en-US" dirty="0" err="1"/>
+              <a:t>df.to_html</a:t>
+            </a:r>
+            <a:r>
+              <a:rPr lang="en-US" dirty="0"/>
+              <a:t>()], titles=[''])</a:t>
+            </a:r>
+            <a:endParaRPr lang="pt-BR" dirty="0"/>
+          </a:p>
+        </p:txBody>
+      </p:sp>
+    </p:spTree>
+    <p:extLst>
+      <p:ext uri="{BB962C8B-B14F-4D97-AF65-F5344CB8AC3E}">
+        <p14:creationId xmlns:p14="http://schemas.microsoft.com/office/powerpoint/2010/main" val="2757683761"/>
+      </p:ext>
+    </p:extLst>
+  </p:cSld>
+  <p:clrMapOvr>
+    <a:masterClrMapping/>
+  </p:clrMapOvr>
+</p:sld>
+</file>
+
+<file path=ppt/slides/slide26.xml><?xml version="1.0" encoding="utf-8"?>
+<p:sld xmlns:a="http://schemas.openxmlformats.org/drawingml/2006/main" xmlns:r="http://schemas.openxmlformats.org/officeDocument/2006/relationships" xmlns:p="http://schemas.openxmlformats.org/presentationml/2006/main">
+  <p:cSld>
+    <p:spTree>
+      <p:nvGrpSpPr>
+        <p:cNvPr id="1" name=""/>
+        <p:cNvGrpSpPr/>
+        <p:nvPr/>
+      </p:nvGrpSpPr>
+      <p:grpSpPr>
+        <a:xfrm>
+          <a:off x="0" y="0"/>
+          <a:ext cx="0" cy="0"/>
+          <a:chOff x="0" y="0"/>
+          <a:chExt cx="0" cy="0"/>
+        </a:xfrm>
+      </p:grpSpPr>
+      <p:sp>
+        <p:nvSpPr>
+          <p:cNvPr id="2" name="Título 1">
+            <a:extLst>
+              <a:ext uri="{FF2B5EF4-FFF2-40B4-BE49-F238E27FC236}">
+                <a16:creationId xmlns:a16="http://schemas.microsoft.com/office/drawing/2014/main" id="{008794C7-8F0B-ABF8-33F9-C77F8FB2CFD2}"/>
+              </a:ext>
+            </a:extLst>
+          </p:cNvPr>
+          <p:cNvSpPr>
+            <a:spLocks noGrp="1"/>
+          </p:cNvSpPr>
+          <p:nvPr>
+            <p:ph type="title"/>
+          </p:nvPr>
+        </p:nvSpPr>
+        <p:spPr>
+          <a:solidFill>
+            <a:schemeClr val="accent1">
+              <a:lumMod val="60000"/>
+              <a:lumOff val="40000"/>
+            </a:schemeClr>
+          </a:solidFill>
+        </p:spPr>
+        <p:txBody>
+          <a:bodyPr/>
+          <a:lstStyle/>
+          <a:p>
+            <a:r>
+              <a:rPr lang="pt-BR" dirty="0"/>
+              <a:t>Código:</a:t>
+            </a:r>
+          </a:p>
+        </p:txBody>
+      </p:sp>
+      <p:pic>
+        <p:nvPicPr>
+          <p:cNvPr id="4" name="Imagem 3">
+            <a:extLst>
+              <a:ext uri="{FF2B5EF4-FFF2-40B4-BE49-F238E27FC236}">
+                <a16:creationId xmlns:a16="http://schemas.microsoft.com/office/drawing/2014/main" id="{379955F4-622C-5D33-2256-D7EC7A136CAE}"/>
+              </a:ext>
+            </a:extLst>
+          </p:cNvPr>
+          <p:cNvPicPr>
+            <a:picLocks noChangeAspect="1"/>
+          </p:cNvPicPr>
+          <p:nvPr/>
+        </p:nvPicPr>
+        <p:blipFill rotWithShape="1">
+          <a:blip r:embed="rId2"/>
+          <a:srcRect l="22173" t="3185" r="8381" b="54588"/>
+          <a:stretch/>
+        </p:blipFill>
+        <p:spPr>
+          <a:xfrm>
+            <a:off x="1003469" y="1987826"/>
+            <a:ext cx="10001338" cy="4174435"/>
+          </a:xfrm>
+          <a:prstGeom prst="rect">
+            <a:avLst/>
+          </a:prstGeom>
+        </p:spPr>
+      </p:pic>
+    </p:spTree>
+    <p:extLst>
+      <p:ext uri="{BB962C8B-B14F-4D97-AF65-F5344CB8AC3E}">
+        <p14:creationId xmlns:p14="http://schemas.microsoft.com/office/powerpoint/2010/main" val="2239705404"/>
+      </p:ext>
+    </p:extLst>
+  </p:cSld>
+  <p:clrMapOvr>
+    <a:masterClrMapping/>
+  </p:clrMapOvr>
+</p:sld>
+</file>
+
+<file path=ppt/slides/slide27.xml><?xml version="1.0" encoding="utf-8"?>
+<p:sld xmlns:a="http://schemas.openxmlformats.org/drawingml/2006/main" xmlns:r="http://schemas.openxmlformats.org/officeDocument/2006/relationships" xmlns:p="http://schemas.openxmlformats.org/presentationml/2006/main">
+  <p:cSld>
+    <p:spTree>
+      <p:nvGrpSpPr>
+        <p:cNvPr id="1" name=""/>
+        <p:cNvGrpSpPr/>
+        <p:nvPr/>
+      </p:nvGrpSpPr>
+      <p:grpSpPr>
+        <a:xfrm>
+          <a:off x="0" y="0"/>
+          <a:ext cx="0" cy="0"/>
+          <a:chOff x="0" y="0"/>
+          <a:chExt cx="0" cy="0"/>
+        </a:xfrm>
+      </p:grpSpPr>
+      <p:sp>
+        <p:nvSpPr>
+          <p:cNvPr id="2" name="Título 1">
+            <a:extLst>
+              <a:ext uri="{FF2B5EF4-FFF2-40B4-BE49-F238E27FC236}">
+                <a16:creationId xmlns:a16="http://schemas.microsoft.com/office/drawing/2014/main" id="{68BA27D0-8B3C-8DB9-0D3A-A8D9A82BD234}"/>
+              </a:ext>
+            </a:extLst>
+          </p:cNvPr>
+          <p:cNvSpPr>
+            <a:spLocks noGrp="1"/>
+          </p:cNvSpPr>
+          <p:nvPr>
+            <p:ph type="title"/>
+          </p:nvPr>
+        </p:nvSpPr>
+        <p:spPr>
+          <a:solidFill>
+            <a:schemeClr val="accent1">
+              <a:lumMod val="60000"/>
+              <a:lumOff val="40000"/>
+            </a:schemeClr>
+          </a:solidFill>
+        </p:spPr>
+        <p:txBody>
+          <a:bodyPr>
+            <a:normAutofit/>
+          </a:bodyPr>
+          <a:lstStyle/>
+          <a:p>
+            <a:r>
+              <a:rPr lang="pt-BR" dirty="0" err="1"/>
+              <a:t>Template</a:t>
+            </a:r>
+            <a:r>
+              <a:rPr lang="pt-BR" dirty="0"/>
+              <a:t>:</a:t>
+            </a:r>
+          </a:p>
+        </p:txBody>
+      </p:sp>
+      <p:pic>
+        <p:nvPicPr>
+          <p:cNvPr id="4" name="Imagem 3">
+            <a:extLst>
+              <a:ext uri="{FF2B5EF4-FFF2-40B4-BE49-F238E27FC236}">
+                <a16:creationId xmlns:a16="http://schemas.microsoft.com/office/drawing/2014/main" id="{EC0E9517-3B08-F058-A74D-718F7D2E30F8}"/>
+              </a:ext>
+            </a:extLst>
+          </p:cNvPr>
+          <p:cNvPicPr>
+            <a:picLocks noChangeAspect="1"/>
+          </p:cNvPicPr>
+          <p:nvPr/>
+        </p:nvPicPr>
+        <p:blipFill rotWithShape="1">
+          <a:blip r:embed="rId2"/>
+          <a:srcRect l="21644" t="3131" r="37712" b="47109"/>
+          <a:stretch/>
+        </p:blipFill>
+        <p:spPr>
+          <a:xfrm>
+            <a:off x="1722782" y="2146851"/>
+            <a:ext cx="6469061" cy="4452731"/>
+          </a:xfrm>
+          <a:prstGeom prst="rect">
+            <a:avLst/>
+          </a:prstGeom>
+        </p:spPr>
+      </p:pic>
+    </p:spTree>
+    <p:extLst>
+      <p:ext uri="{BB962C8B-B14F-4D97-AF65-F5344CB8AC3E}">
+        <p14:creationId xmlns:p14="http://schemas.microsoft.com/office/powerpoint/2010/main" val="4021669291"/>
+      </p:ext>
+    </p:extLst>
+  </p:cSld>
+  <p:clrMapOvr>
+    <a:masterClrMapping/>
+  </p:clrMapOvr>
+</p:sld>
+</file>
+
+<file path=ppt/slides/slide28.xml><?xml version="1.0" encoding="utf-8"?>
+<p:sld xmlns:a="http://schemas.openxmlformats.org/drawingml/2006/main" xmlns:r="http://schemas.openxmlformats.org/officeDocument/2006/relationships" xmlns:p="http://schemas.openxmlformats.org/presentationml/2006/main">
+  <p:cSld>
+    <p:spTree>
+      <p:nvGrpSpPr>
+        <p:cNvPr id="1" name=""/>
+        <p:cNvGrpSpPr/>
+        <p:nvPr/>
+      </p:nvGrpSpPr>
+      <p:grpSpPr>
+        <a:xfrm>
+          <a:off x="0" y="0"/>
+          <a:ext cx="0" cy="0"/>
+          <a:chOff x="0" y="0"/>
+          <a:chExt cx="0" cy="0"/>
+        </a:xfrm>
+      </p:grpSpPr>
+      <p:sp>
+        <p:nvSpPr>
+          <p:cNvPr id="2" name="Título 1">
+            <a:extLst>
+              <a:ext uri="{FF2B5EF4-FFF2-40B4-BE49-F238E27FC236}">
+                <a16:creationId xmlns:a16="http://schemas.microsoft.com/office/drawing/2014/main" id="{10299460-1569-EE14-C31D-41A7337E7B4D}"/>
+              </a:ext>
+            </a:extLst>
+          </p:cNvPr>
+          <p:cNvSpPr>
+            <a:spLocks noGrp="1"/>
+          </p:cNvSpPr>
+          <p:nvPr>
+            <p:ph type="title"/>
+          </p:nvPr>
+        </p:nvSpPr>
+        <p:spPr>
+          <a:solidFill>
+            <a:schemeClr val="accent1">
+              <a:lumMod val="60000"/>
+              <a:lumOff val="40000"/>
+            </a:schemeClr>
+          </a:solidFill>
+        </p:spPr>
+        <p:txBody>
+          <a:bodyPr/>
+          <a:lstStyle/>
+          <a:p>
+            <a:r>
+              <a:rPr lang="pt-BR" dirty="0"/>
+              <a:t>Resultado:</a:t>
+            </a:r>
+          </a:p>
+        </p:txBody>
+      </p:sp>
+      <p:pic>
+        <p:nvPicPr>
+          <p:cNvPr id="4" name="Imagem 3">
+            <a:extLst>
+              <a:ext uri="{FF2B5EF4-FFF2-40B4-BE49-F238E27FC236}">
+                <a16:creationId xmlns:a16="http://schemas.microsoft.com/office/drawing/2014/main" id="{A6278155-D489-559A-FD9B-DD313FB1395D}"/>
+              </a:ext>
+            </a:extLst>
+          </p:cNvPr>
+          <p:cNvPicPr>
+            <a:picLocks noChangeAspect="1"/>
+          </p:cNvPicPr>
+          <p:nvPr/>
+        </p:nvPicPr>
+        <p:blipFill rotWithShape="1">
+          <a:blip r:embed="rId2"/>
+          <a:srcRect r="72240" b="68942"/>
+          <a:stretch/>
+        </p:blipFill>
+        <p:spPr>
+          <a:xfrm>
+            <a:off x="1973179" y="2286123"/>
+            <a:ext cx="5527551" cy="3476890"/>
+          </a:xfrm>
+          <a:prstGeom prst="rect">
+            <a:avLst/>
+          </a:prstGeom>
         </p:spPr>
       </p:pic>
     </p:spTree>
@@ -4628,7 +5473,7 @@
 </p:sld>
 </file>
 
-<file path=ppt/slides/slide22.xml><?xml version="1.0" encoding="utf-8"?>
+<file path=ppt/slides/slide29.xml><?xml version="1.0" encoding="utf-8"?>
 <p:sld xmlns:a="http://schemas.openxmlformats.org/drawingml/2006/main" xmlns:r="http://schemas.openxmlformats.org/officeDocument/2006/relationships" xmlns:p="http://schemas.openxmlformats.org/presentationml/2006/main">
   <p:cSld>
     <p:spTree>
@@ -5003,6 +5848,606 @@
     <p:extLst>
       <p:ext uri="{BB962C8B-B14F-4D97-AF65-F5344CB8AC3E}">
         <p14:creationId xmlns:p14="http://schemas.microsoft.com/office/powerpoint/2010/main" val="630389235"/>
+      </p:ext>
+    </p:extLst>
+  </p:cSld>
+  <p:clrMapOvr>
+    <a:masterClrMapping/>
+  </p:clrMapOvr>
+</p:sld>
+</file>
+
+<file path=ppt/slides/slide30.xml><?xml version="1.0" encoding="utf-8"?>
+<p:sld xmlns:a="http://schemas.openxmlformats.org/drawingml/2006/main" xmlns:r="http://schemas.openxmlformats.org/officeDocument/2006/relationships" xmlns:p="http://schemas.openxmlformats.org/presentationml/2006/main">
+  <p:cSld>
+    <p:spTree>
+      <p:nvGrpSpPr>
+        <p:cNvPr id="1" name=""/>
+        <p:cNvGrpSpPr/>
+        <p:nvPr/>
+      </p:nvGrpSpPr>
+      <p:grpSpPr>
+        <a:xfrm>
+          <a:off x="0" y="0"/>
+          <a:ext cx="0" cy="0"/>
+          <a:chOff x="0" y="0"/>
+          <a:chExt cx="0" cy="0"/>
+        </a:xfrm>
+      </p:grpSpPr>
+      <p:sp>
+        <p:nvSpPr>
+          <p:cNvPr id="2" name="Título 1">
+            <a:extLst>
+              <a:ext uri="{FF2B5EF4-FFF2-40B4-BE49-F238E27FC236}">
+                <a16:creationId xmlns:a16="http://schemas.microsoft.com/office/drawing/2014/main" id="{A3099915-8E61-65F3-2898-2866659F4272}"/>
+              </a:ext>
+            </a:extLst>
+          </p:cNvPr>
+          <p:cNvSpPr>
+            <a:spLocks noGrp="1"/>
+          </p:cNvSpPr>
+          <p:nvPr>
+            <p:ph type="title"/>
+          </p:nvPr>
+        </p:nvSpPr>
+        <p:spPr/>
+        <p:txBody>
+          <a:bodyPr/>
+          <a:lstStyle/>
+          <a:p>
+            <a:r>
+              <a:rPr lang="pt-BR" dirty="0"/>
+              <a:t>PROJETO </a:t>
+            </a:r>
+            <a:r>
+              <a:rPr lang="pt-BR" dirty="0" err="1"/>
+              <a:t>imc</a:t>
+            </a:r>
+            <a:r>
+              <a:rPr lang="pt-BR" dirty="0"/>
+              <a:t>:</a:t>
+            </a:r>
+          </a:p>
+        </p:txBody>
+      </p:sp>
+      <p:pic>
+        <p:nvPicPr>
+          <p:cNvPr id="7" name="Imagem 6">
+            <a:extLst>
+              <a:ext uri="{FF2B5EF4-FFF2-40B4-BE49-F238E27FC236}">
+                <a16:creationId xmlns:a16="http://schemas.microsoft.com/office/drawing/2014/main" id="{1CEF0CC6-533D-AFD5-78CA-EA7CD6D0D6A7}"/>
+              </a:ext>
+            </a:extLst>
+          </p:cNvPr>
+          <p:cNvPicPr>
+            <a:picLocks noChangeAspect="1"/>
+          </p:cNvPicPr>
+          <p:nvPr/>
+        </p:nvPicPr>
+        <p:blipFill rotWithShape="1">
+          <a:blip r:embed="rId2"/>
+          <a:srcRect l="22680" t="3257" r="19561" b="45803"/>
+          <a:stretch/>
+        </p:blipFill>
+        <p:spPr>
+          <a:xfrm>
+            <a:off x="1709531" y="1815546"/>
+            <a:ext cx="8632641" cy="4280453"/>
+          </a:xfrm>
+          <a:prstGeom prst="rect">
+            <a:avLst/>
+          </a:prstGeom>
+        </p:spPr>
+      </p:pic>
+    </p:spTree>
+    <p:extLst>
+      <p:ext uri="{BB962C8B-B14F-4D97-AF65-F5344CB8AC3E}">
+        <p14:creationId xmlns:p14="http://schemas.microsoft.com/office/powerpoint/2010/main" val="395581470"/>
+      </p:ext>
+    </p:extLst>
+  </p:cSld>
+  <p:clrMapOvr>
+    <a:masterClrMapping/>
+  </p:clrMapOvr>
+</p:sld>
+</file>
+
+<file path=ppt/slides/slide31.xml><?xml version="1.0" encoding="utf-8"?>
+<p:sld xmlns:a="http://schemas.openxmlformats.org/drawingml/2006/main" xmlns:r="http://schemas.openxmlformats.org/officeDocument/2006/relationships" xmlns:p="http://schemas.openxmlformats.org/presentationml/2006/main">
+  <p:cSld>
+    <p:spTree>
+      <p:nvGrpSpPr>
+        <p:cNvPr id="1" name=""/>
+        <p:cNvGrpSpPr/>
+        <p:nvPr/>
+      </p:nvGrpSpPr>
+      <p:grpSpPr>
+        <a:xfrm>
+          <a:off x="0" y="0"/>
+          <a:ext cx="0" cy="0"/>
+          <a:chOff x="0" y="0"/>
+          <a:chExt cx="0" cy="0"/>
+        </a:xfrm>
+      </p:grpSpPr>
+      <p:sp>
+        <p:nvSpPr>
+          <p:cNvPr id="2" name="Título 1">
+            <a:extLst>
+              <a:ext uri="{FF2B5EF4-FFF2-40B4-BE49-F238E27FC236}">
+                <a16:creationId xmlns:a16="http://schemas.microsoft.com/office/drawing/2014/main" id="{65A7B5DB-2F80-EFF3-E720-5802F0F3B2E6}"/>
+              </a:ext>
+            </a:extLst>
+          </p:cNvPr>
+          <p:cNvSpPr>
+            <a:spLocks noGrp="1"/>
+          </p:cNvSpPr>
+          <p:nvPr>
+            <p:ph type="title"/>
+          </p:nvPr>
+        </p:nvSpPr>
+        <p:spPr/>
+        <p:txBody>
+          <a:bodyPr/>
+          <a:lstStyle/>
+          <a:p>
+            <a:r>
+              <a:rPr lang="pt-BR" dirty="0" err="1"/>
+              <a:t>Template</a:t>
+            </a:r>
+            <a:r>
+              <a:rPr lang="pt-BR" dirty="0"/>
+              <a:t>:</a:t>
+            </a:r>
+          </a:p>
+        </p:txBody>
+      </p:sp>
+      <p:pic>
+        <p:nvPicPr>
+          <p:cNvPr id="5" name="Imagem 4">
+            <a:extLst>
+              <a:ext uri="{FF2B5EF4-FFF2-40B4-BE49-F238E27FC236}">
+                <a16:creationId xmlns:a16="http://schemas.microsoft.com/office/drawing/2014/main" id="{A7F2ACE4-4CA3-52B5-798B-E636F243AC61}"/>
+              </a:ext>
+            </a:extLst>
+          </p:cNvPr>
+          <p:cNvPicPr>
+            <a:picLocks noChangeAspect="1"/>
+          </p:cNvPicPr>
+          <p:nvPr/>
+        </p:nvPicPr>
+        <p:blipFill rotWithShape="1">
+          <a:blip r:embed="rId2"/>
+          <a:srcRect l="21964" t="3014" r="34941" b="30031"/>
+          <a:stretch/>
+        </p:blipFill>
+        <p:spPr>
+          <a:xfrm>
+            <a:off x="1590261" y="1690687"/>
+            <a:ext cx="5526156" cy="4827163"/>
+          </a:xfrm>
+          <a:prstGeom prst="rect">
+            <a:avLst/>
+          </a:prstGeom>
+        </p:spPr>
+      </p:pic>
+    </p:spTree>
+    <p:extLst>
+      <p:ext uri="{BB962C8B-B14F-4D97-AF65-F5344CB8AC3E}">
+        <p14:creationId xmlns:p14="http://schemas.microsoft.com/office/powerpoint/2010/main" val="1329600761"/>
+      </p:ext>
+    </p:extLst>
+  </p:cSld>
+  <p:clrMapOvr>
+    <a:masterClrMapping/>
+  </p:clrMapOvr>
+</p:sld>
+</file>
+
+<file path=ppt/slides/slide32.xml><?xml version="1.0" encoding="utf-8"?>
+<p:sld xmlns:a="http://schemas.openxmlformats.org/drawingml/2006/main" xmlns:r="http://schemas.openxmlformats.org/officeDocument/2006/relationships" xmlns:p="http://schemas.openxmlformats.org/presentationml/2006/main">
+  <p:cSld>
+    <p:spTree>
+      <p:nvGrpSpPr>
+        <p:cNvPr id="1" name=""/>
+        <p:cNvGrpSpPr/>
+        <p:nvPr/>
+      </p:nvGrpSpPr>
+      <p:grpSpPr>
+        <a:xfrm>
+          <a:off x="0" y="0"/>
+          <a:ext cx="0" cy="0"/>
+          <a:chOff x="0" y="0"/>
+          <a:chExt cx="0" cy="0"/>
+        </a:xfrm>
+      </p:grpSpPr>
+      <p:sp>
+        <p:nvSpPr>
+          <p:cNvPr id="2" name="Título 1">
+            <a:extLst>
+              <a:ext uri="{FF2B5EF4-FFF2-40B4-BE49-F238E27FC236}">
+                <a16:creationId xmlns:a16="http://schemas.microsoft.com/office/drawing/2014/main" id="{1E7A415C-770C-4608-815D-EE9497F74197}"/>
+              </a:ext>
+            </a:extLst>
+          </p:cNvPr>
+          <p:cNvSpPr>
+            <a:spLocks noGrp="1"/>
+          </p:cNvSpPr>
+          <p:nvPr>
+            <p:ph type="title"/>
+          </p:nvPr>
+        </p:nvSpPr>
+        <p:spPr/>
+        <p:txBody>
+          <a:bodyPr/>
+          <a:lstStyle/>
+          <a:p>
+            <a:r>
+              <a:rPr lang="pt-BR" dirty="0"/>
+              <a:t>Home Page:</a:t>
+            </a:r>
+          </a:p>
+        </p:txBody>
+      </p:sp>
+      <p:pic>
+        <p:nvPicPr>
+          <p:cNvPr id="7" name="Imagem 6">
+            <a:extLst>
+              <a:ext uri="{FF2B5EF4-FFF2-40B4-BE49-F238E27FC236}">
+                <a16:creationId xmlns:a16="http://schemas.microsoft.com/office/drawing/2014/main" id="{3AFC787F-E55D-6920-CBDB-A360219F16DA}"/>
+              </a:ext>
+            </a:extLst>
+          </p:cNvPr>
+          <p:cNvPicPr>
+            <a:picLocks noChangeAspect="1"/>
+          </p:cNvPicPr>
+          <p:nvPr/>
+        </p:nvPicPr>
+        <p:blipFill rotWithShape="1">
+          <a:blip r:embed="rId2"/>
+          <a:srcRect r="69494" b="49265"/>
+          <a:stretch/>
+        </p:blipFill>
+        <p:spPr>
+          <a:xfrm>
+            <a:off x="2332383" y="1635492"/>
+            <a:ext cx="5194851" cy="4857383"/>
+          </a:xfrm>
+          <a:prstGeom prst="rect">
+            <a:avLst/>
+          </a:prstGeom>
+        </p:spPr>
+      </p:pic>
+    </p:spTree>
+    <p:extLst>
+      <p:ext uri="{BB962C8B-B14F-4D97-AF65-F5344CB8AC3E}">
+        <p14:creationId xmlns:p14="http://schemas.microsoft.com/office/powerpoint/2010/main" val="4112557225"/>
+      </p:ext>
+    </p:extLst>
+  </p:cSld>
+  <p:clrMapOvr>
+    <a:masterClrMapping/>
+  </p:clrMapOvr>
+</p:sld>
+</file>
+
+<file path=ppt/slides/slide33.xml><?xml version="1.0" encoding="utf-8"?>
+<p:sld xmlns:a="http://schemas.openxmlformats.org/drawingml/2006/main" xmlns:r="http://schemas.openxmlformats.org/officeDocument/2006/relationships" xmlns:p="http://schemas.openxmlformats.org/presentationml/2006/main">
+  <p:cSld>
+    <p:spTree>
+      <p:nvGrpSpPr>
+        <p:cNvPr id="1" name=""/>
+        <p:cNvGrpSpPr/>
+        <p:nvPr/>
+      </p:nvGrpSpPr>
+      <p:grpSpPr>
+        <a:xfrm>
+          <a:off x="0" y="0"/>
+          <a:ext cx="0" cy="0"/>
+          <a:chOff x="0" y="0"/>
+          <a:chExt cx="0" cy="0"/>
+        </a:xfrm>
+      </p:grpSpPr>
+      <p:pic>
+        <p:nvPicPr>
+          <p:cNvPr id="5" name="Imagem 4">
+            <a:extLst>
+              <a:ext uri="{FF2B5EF4-FFF2-40B4-BE49-F238E27FC236}">
+                <a16:creationId xmlns:a16="http://schemas.microsoft.com/office/drawing/2014/main" id="{739FB04D-D8AE-182C-2D0D-760AF8D3A164}"/>
+              </a:ext>
+            </a:extLst>
+          </p:cNvPr>
+          <p:cNvPicPr>
+            <a:picLocks noChangeAspect="1"/>
+          </p:cNvPicPr>
+          <p:nvPr/>
+        </p:nvPicPr>
+        <p:blipFill rotWithShape="1">
+          <a:blip r:embed="rId2"/>
+          <a:srcRect t="5002" r="75652" b="59232"/>
+          <a:stretch/>
+        </p:blipFill>
+        <p:spPr>
+          <a:xfrm>
+            <a:off x="1550504" y="447260"/>
+            <a:ext cx="7220643" cy="5963479"/>
+          </a:xfrm>
+          <a:prstGeom prst="rect">
+            <a:avLst/>
+          </a:prstGeom>
+        </p:spPr>
+      </p:pic>
+    </p:spTree>
+    <p:extLst>
+      <p:ext uri="{BB962C8B-B14F-4D97-AF65-F5344CB8AC3E}">
+        <p14:creationId xmlns:p14="http://schemas.microsoft.com/office/powerpoint/2010/main" val="2605300297"/>
+      </p:ext>
+    </p:extLst>
+  </p:cSld>
+  <p:clrMapOvr>
+    <a:masterClrMapping/>
+  </p:clrMapOvr>
+</p:sld>
+</file>
+
+<file path=ppt/slides/slide34.xml><?xml version="1.0" encoding="utf-8"?>
+<p:sld xmlns:a="http://schemas.openxmlformats.org/drawingml/2006/main" xmlns:r="http://schemas.openxmlformats.org/officeDocument/2006/relationships" xmlns:p="http://schemas.openxmlformats.org/presentationml/2006/main">
+  <p:cSld>
+    <p:spTree>
+      <p:nvGrpSpPr>
+        <p:cNvPr id="1" name=""/>
+        <p:cNvGrpSpPr/>
+        <p:nvPr/>
+      </p:nvGrpSpPr>
+      <p:grpSpPr>
+        <a:xfrm>
+          <a:off x="0" y="0"/>
+          <a:ext cx="0" cy="0"/>
+          <a:chOff x="0" y="0"/>
+          <a:chExt cx="0" cy="0"/>
+        </a:xfrm>
+      </p:grpSpPr>
+      <p:pic>
+        <p:nvPicPr>
+          <p:cNvPr id="5" name="Imagem 4">
+            <a:extLst>
+              <a:ext uri="{FF2B5EF4-FFF2-40B4-BE49-F238E27FC236}">
+                <a16:creationId xmlns:a16="http://schemas.microsoft.com/office/drawing/2014/main" id="{64C7F865-A9F6-D717-93AD-4DD046A9C0F7}"/>
+              </a:ext>
+            </a:extLst>
+          </p:cNvPr>
+          <p:cNvPicPr>
+            <a:picLocks noChangeAspect="1"/>
+          </p:cNvPicPr>
+          <p:nvPr/>
+        </p:nvPicPr>
+        <p:blipFill rotWithShape="1">
+          <a:blip r:embed="rId2"/>
+          <a:srcRect l="22283" t="3262" r="23043" b="35258"/>
+          <a:stretch/>
+        </p:blipFill>
+        <p:spPr>
+          <a:xfrm>
+            <a:off x="954157" y="728870"/>
+            <a:ext cx="9130747" cy="5772520"/>
+          </a:xfrm>
+          <a:prstGeom prst="rect">
+            <a:avLst/>
+          </a:prstGeom>
+        </p:spPr>
+      </p:pic>
+    </p:spTree>
+    <p:extLst>
+      <p:ext uri="{BB962C8B-B14F-4D97-AF65-F5344CB8AC3E}">
+        <p14:creationId xmlns:p14="http://schemas.microsoft.com/office/powerpoint/2010/main" val="1823198055"/>
+      </p:ext>
+    </p:extLst>
+  </p:cSld>
+  <p:clrMapOvr>
+    <a:masterClrMapping/>
+  </p:clrMapOvr>
+</p:sld>
+</file>
+
+<file path=ppt/slides/slide35.xml><?xml version="1.0" encoding="utf-8"?>
+<p:sld xmlns:a="http://schemas.openxmlformats.org/drawingml/2006/main" xmlns:r="http://schemas.openxmlformats.org/officeDocument/2006/relationships" xmlns:p="http://schemas.openxmlformats.org/presentationml/2006/main">
+  <p:cSld>
+    <p:spTree>
+      <p:nvGrpSpPr>
+        <p:cNvPr id="1" name=""/>
+        <p:cNvGrpSpPr/>
+        <p:nvPr/>
+      </p:nvGrpSpPr>
+      <p:grpSpPr>
+        <a:xfrm>
+          <a:off x="0" y="0"/>
+          <a:ext cx="0" cy="0"/>
+          <a:chOff x="0" y="0"/>
+          <a:chExt cx="0" cy="0"/>
+        </a:xfrm>
+      </p:grpSpPr>
+      <p:pic>
+        <p:nvPicPr>
+          <p:cNvPr id="5" name="Imagem 4">
+            <a:extLst>
+              <a:ext uri="{FF2B5EF4-FFF2-40B4-BE49-F238E27FC236}">
+                <a16:creationId xmlns:a16="http://schemas.microsoft.com/office/drawing/2014/main" id="{54E235F1-03A0-1F1D-0FB8-4AE7513C7918}"/>
+              </a:ext>
+            </a:extLst>
+          </p:cNvPr>
+          <p:cNvPicPr>
+            <a:picLocks noChangeAspect="1"/>
+          </p:cNvPicPr>
+          <p:nvPr/>
+        </p:nvPicPr>
+        <p:blipFill rotWithShape="1">
+          <a:blip r:embed="rId2"/>
+          <a:srcRect t="3262" r="70000" b="64065"/>
+          <a:stretch/>
+        </p:blipFill>
+        <p:spPr>
+          <a:xfrm>
+            <a:off x="689113" y="371061"/>
+            <a:ext cx="9349606" cy="5724939"/>
+          </a:xfrm>
+          <a:prstGeom prst="rect">
+            <a:avLst/>
+          </a:prstGeom>
+        </p:spPr>
+      </p:pic>
+    </p:spTree>
+    <p:extLst>
+      <p:ext uri="{BB962C8B-B14F-4D97-AF65-F5344CB8AC3E}">
+        <p14:creationId xmlns:p14="http://schemas.microsoft.com/office/powerpoint/2010/main" val="2390961998"/>
+      </p:ext>
+    </p:extLst>
+  </p:cSld>
+  <p:clrMapOvr>
+    <a:masterClrMapping/>
+  </p:clrMapOvr>
+</p:sld>
+</file>
+
+<file path=ppt/slides/slide36.xml><?xml version="1.0" encoding="utf-8"?>
+<p:sld xmlns:a="http://schemas.openxmlformats.org/drawingml/2006/main" xmlns:r="http://schemas.openxmlformats.org/officeDocument/2006/relationships" xmlns:p="http://schemas.openxmlformats.org/presentationml/2006/main">
+  <p:cSld>
+    <p:spTree>
+      <p:nvGrpSpPr>
+        <p:cNvPr id="1" name=""/>
+        <p:cNvGrpSpPr/>
+        <p:nvPr/>
+      </p:nvGrpSpPr>
+      <p:grpSpPr>
+        <a:xfrm>
+          <a:off x="0" y="0"/>
+          <a:ext cx="0" cy="0"/>
+          <a:chOff x="0" y="0"/>
+          <a:chExt cx="0" cy="0"/>
+        </a:xfrm>
+      </p:grpSpPr>
+      <p:sp>
+        <p:nvSpPr>
+          <p:cNvPr id="2" name="Título 1">
+            <a:extLst>
+              <a:ext uri="{FF2B5EF4-FFF2-40B4-BE49-F238E27FC236}">
+                <a16:creationId xmlns:a16="http://schemas.microsoft.com/office/drawing/2014/main" id="{524BCF57-E955-7084-D88B-B289419FC300}"/>
+              </a:ext>
+            </a:extLst>
+          </p:cNvPr>
+          <p:cNvSpPr>
+            <a:spLocks noGrp="1"/>
+          </p:cNvSpPr>
+          <p:nvPr>
+            <p:ph type="title"/>
+          </p:nvPr>
+        </p:nvSpPr>
+        <p:spPr/>
+        <p:txBody>
+          <a:bodyPr/>
+          <a:lstStyle/>
+          <a:p>
+            <a:r>
+              <a:rPr lang="pt-BR" dirty="0" err="1"/>
+              <a:t>Template</a:t>
+            </a:r>
+            <a:r>
+              <a:rPr lang="pt-BR" dirty="0"/>
+              <a:t> com Jinja2:</a:t>
+            </a:r>
+          </a:p>
+        </p:txBody>
+      </p:sp>
+    </p:spTree>
+    <p:extLst>
+      <p:ext uri="{BB962C8B-B14F-4D97-AF65-F5344CB8AC3E}">
+        <p14:creationId xmlns:p14="http://schemas.microsoft.com/office/powerpoint/2010/main" val="265858813"/>
+      </p:ext>
+    </p:extLst>
+  </p:cSld>
+  <p:clrMapOvr>
+    <a:masterClrMapping/>
+  </p:clrMapOvr>
+</p:sld>
+</file>
+
+<file path=ppt/slides/slide37.xml><?xml version="1.0" encoding="utf-8"?>
+<p:sld xmlns:a="http://schemas.openxmlformats.org/drawingml/2006/main" xmlns:r="http://schemas.openxmlformats.org/officeDocument/2006/relationships" xmlns:p="http://schemas.openxmlformats.org/presentationml/2006/main">
+  <p:cSld>
+    <p:spTree>
+      <p:nvGrpSpPr>
+        <p:cNvPr id="1" name=""/>
+        <p:cNvGrpSpPr/>
+        <p:nvPr/>
+      </p:nvGrpSpPr>
+      <p:grpSpPr>
+        <a:xfrm>
+          <a:off x="0" y="0"/>
+          <a:ext cx="0" cy="0"/>
+          <a:chOff x="0" y="0"/>
+          <a:chExt cx="0" cy="0"/>
+        </a:xfrm>
+      </p:grpSpPr>
+      <p:pic>
+        <p:nvPicPr>
+          <p:cNvPr id="5" name="Imagem 4">
+            <a:extLst>
+              <a:ext uri="{FF2B5EF4-FFF2-40B4-BE49-F238E27FC236}">
+                <a16:creationId xmlns:a16="http://schemas.microsoft.com/office/drawing/2014/main" id="{59B1CA03-936A-3DFE-328B-A33162193A4B}"/>
+              </a:ext>
+            </a:extLst>
+          </p:cNvPr>
+          <p:cNvPicPr>
+            <a:picLocks noChangeAspect="1"/>
+          </p:cNvPicPr>
+          <p:nvPr/>
+        </p:nvPicPr>
+        <p:blipFill rotWithShape="1">
+          <a:blip r:embed="rId2"/>
+          <a:srcRect l="21848" t="15637" r="40109" b="30425"/>
+          <a:stretch/>
+        </p:blipFill>
+        <p:spPr>
+          <a:xfrm>
+            <a:off x="2557668" y="2199861"/>
+            <a:ext cx="4638261" cy="3697357"/>
+          </a:xfrm>
+          <a:prstGeom prst="rect">
+            <a:avLst/>
+          </a:prstGeom>
+        </p:spPr>
+      </p:pic>
+      <p:pic>
+        <p:nvPicPr>
+          <p:cNvPr id="9" name="Imagem 8">
+            <a:extLst>
+              <a:ext uri="{FF2B5EF4-FFF2-40B4-BE49-F238E27FC236}">
+                <a16:creationId xmlns:a16="http://schemas.microsoft.com/office/drawing/2014/main" id="{060F1A56-4DBA-3884-8572-A754DBA23E9A}"/>
+              </a:ext>
+            </a:extLst>
+          </p:cNvPr>
+          <p:cNvPicPr>
+            <a:picLocks noChangeAspect="1"/>
+          </p:cNvPicPr>
+          <p:nvPr/>
+        </p:nvPicPr>
+        <p:blipFill rotWithShape="1">
+          <a:blip r:embed="rId3"/>
+          <a:srcRect l="22174" t="8482" r="39782" b="66578"/>
+          <a:stretch/>
+        </p:blipFill>
+        <p:spPr>
+          <a:xfrm>
+            <a:off x="2557667" y="795127"/>
+            <a:ext cx="4638262" cy="1709530"/>
+          </a:xfrm>
+          <a:prstGeom prst="rect">
+            <a:avLst/>
+          </a:prstGeom>
+        </p:spPr>
+      </p:pic>
+    </p:spTree>
+    <p:extLst>
+      <p:ext uri="{BB962C8B-B14F-4D97-AF65-F5344CB8AC3E}">
+        <p14:creationId xmlns:p14="http://schemas.microsoft.com/office/powerpoint/2010/main" val="1972215606"/>
       </p:ext>
     </p:extLst>
   </p:cSld>
@@ -5114,10 +6559,10 @@
       </p:grpSpPr>
       <p:pic>
         <p:nvPicPr>
-          <p:cNvPr id="4" name="Imagem 3">
-            <a:extLst>
-              <a:ext uri="{FF2B5EF4-FFF2-40B4-BE49-F238E27FC236}">
-                <a16:creationId xmlns:a16="http://schemas.microsoft.com/office/drawing/2014/main" id="{8133CBFF-3407-B5D9-E8E5-CB1BDB2785D6}"/>
+          <p:cNvPr id="8" name="Imagem 7">
+            <a:extLst>
+              <a:ext uri="{FF2B5EF4-FFF2-40B4-BE49-F238E27FC236}">
+                <a16:creationId xmlns:a16="http://schemas.microsoft.com/office/drawing/2014/main" id="{8D86ADA2-B085-AD89-442A-D014D693C791}"/>
               </a:ext>
             </a:extLst>
           </p:cNvPr>
@@ -5128,13 +6573,13 @@
         </p:nvPicPr>
         <p:blipFill rotWithShape="1">
           <a:blip r:embed="rId2"/>
-          <a:srcRect l="26584" t="11094" r="30196" b="32165"/>
+          <a:srcRect l="22675" t="9282" r="42171" b="28982"/>
           <a:stretch/>
         </p:blipFill>
         <p:spPr>
           <a:xfrm>
-            <a:off x="0" y="26505"/>
-            <a:ext cx="12192000" cy="6857999"/>
+            <a:off x="225801" y="325132"/>
+            <a:ext cx="11396704" cy="5895194"/>
           </a:xfrm>
           <a:prstGeom prst="rect">
             <a:avLst/>
@@ -5143,10 +6588,10 @@
       </p:pic>
       <p:sp>
         <p:nvSpPr>
-          <p:cNvPr id="5" name="CaixaDeTexto 4">
-            <a:extLst>
-              <a:ext uri="{FF2B5EF4-FFF2-40B4-BE49-F238E27FC236}">
-                <a16:creationId xmlns:a16="http://schemas.microsoft.com/office/drawing/2014/main" id="{FC4E21CB-0A98-0E1D-ECEE-33E89356103D}"/>
+          <p:cNvPr id="10" name="CaixaDeTexto 9">
+            <a:extLst>
+              <a:ext uri="{FF2B5EF4-FFF2-40B4-BE49-F238E27FC236}">
+                <a16:creationId xmlns:a16="http://schemas.microsoft.com/office/drawing/2014/main" id="{E7C5BC4D-B012-3796-291E-B2AF0175B2F2}"/>
               </a:ext>
             </a:extLst>
           </p:cNvPr>
@@ -5155,14 +6600,17 @@
         </p:nvSpPr>
         <p:spPr>
           <a:xfrm>
-            <a:off x="162338" y="1205948"/>
-            <a:ext cx="5933662" cy="646331"/>
+            <a:off x="1684421" y="1515979"/>
+            <a:ext cx="6725653" cy="646331"/>
           </a:xfrm>
           <a:prstGeom prst="rect">
             <a:avLst/>
           </a:prstGeom>
           <a:solidFill>
-            <a:schemeClr val="tx1"/>
+            <a:schemeClr val="tx1">
+              <a:lumMod val="95000"/>
+              <a:lumOff val="5000"/>
+            </a:schemeClr>
           </a:solidFill>
         </p:spPr>
         <p:txBody>
@@ -5177,24 +6625,27 @@
                   <a:schemeClr val="bg1"/>
                 </a:solidFill>
               </a:rPr>
-              <a:t>Inserir os dados: Valores de x e y que serão a base do gráfico.</a:t>
-            </a:r>
-          </a:p>
-          <a:p>
-            <a:endParaRPr lang="pt-BR" dirty="0">
-              <a:solidFill>
-                <a:schemeClr val="bg1"/>
-              </a:solidFill>
-            </a:endParaRPr>
-          </a:p>
-        </p:txBody>
-      </p:sp>
-      <p:sp>
-        <p:nvSpPr>
-          <p:cNvPr id="6" name="CaixaDeTexto 5">
-            <a:extLst>
-              <a:ext uri="{FF2B5EF4-FFF2-40B4-BE49-F238E27FC236}">
-                <a16:creationId xmlns:a16="http://schemas.microsoft.com/office/drawing/2014/main" id="{445699A0-7450-0C2D-FAAA-2E4188701B69}"/>
+              <a:t>Dados:   </a:t>
+            </a:r>
+          </a:p>
+          <a:p>
+            <a:r>
+              <a:rPr lang="pt-BR" dirty="0">
+                <a:solidFill>
+                  <a:schemeClr val="bg1"/>
+                </a:solidFill>
+              </a:rPr>
+              <a:t>Valores de x e y.</a:t>
+            </a:r>
+          </a:p>
+        </p:txBody>
+      </p:sp>
+      <p:sp>
+        <p:nvSpPr>
+          <p:cNvPr id="11" name="CaixaDeTexto 10">
+            <a:extLst>
+              <a:ext uri="{FF2B5EF4-FFF2-40B4-BE49-F238E27FC236}">
+                <a16:creationId xmlns:a16="http://schemas.microsoft.com/office/drawing/2014/main" id="{319FFCB5-4F3F-75EA-4741-EC1769811486}"/>
               </a:ext>
             </a:extLst>
           </p:cNvPr>
@@ -5203,14 +6654,17 @@
         </p:nvSpPr>
         <p:spPr>
           <a:xfrm>
-            <a:off x="2700131" y="3919547"/>
-            <a:ext cx="1646583" cy="369332"/>
+            <a:off x="6661481" y="2606793"/>
+            <a:ext cx="2518610" cy="369332"/>
           </a:xfrm>
           <a:prstGeom prst="rect">
             <a:avLst/>
           </a:prstGeom>
           <a:solidFill>
-            <a:schemeClr val="tx1"/>
+            <a:schemeClr val="tx1">
+              <a:lumMod val="95000"/>
+              <a:lumOff val="5000"/>
+            </a:schemeClr>
           </a:solidFill>
         </p:spPr>
         <p:txBody>
@@ -5225,25 +6679,17 @@
                   <a:schemeClr val="bg1"/>
                 </a:solidFill>
               </a:rPr>
-              <a:t>      </a:t>
-            </a:r>
-            <a:r>
-              <a:rPr lang="pt-BR" sz="1600" dirty="0">
-                <a:solidFill>
-                  <a:schemeClr val="bg1"/>
-                </a:solidFill>
-              </a:rPr>
-              <a:t>x , y</a:t>
-            </a:r>
-          </a:p>
-        </p:txBody>
-      </p:sp>
-      <p:sp>
-        <p:nvSpPr>
-          <p:cNvPr id="9" name="CaixaDeTexto 8">
-            <a:extLst>
-              <a:ext uri="{FF2B5EF4-FFF2-40B4-BE49-F238E27FC236}">
-                <a16:creationId xmlns:a16="http://schemas.microsoft.com/office/drawing/2014/main" id="{5860397F-97CA-4CF5-8B2C-A6681B2D570C}"/>
+              <a:t>       ‘homepage.html’</a:t>
+            </a:r>
+          </a:p>
+        </p:txBody>
+      </p:sp>
+      <p:sp>
+        <p:nvSpPr>
+          <p:cNvPr id="12" name="CaixaDeTexto 11">
+            <a:extLst>
+              <a:ext uri="{FF2B5EF4-FFF2-40B4-BE49-F238E27FC236}">
+                <a16:creationId xmlns:a16="http://schemas.microsoft.com/office/drawing/2014/main" id="{B0669692-A07F-202A-5F46-05D24D0986C1}"/>
               </a:ext>
             </a:extLst>
           </p:cNvPr>
@@ -5252,14 +6698,17 @@
         </p:nvSpPr>
         <p:spPr>
           <a:xfrm>
-            <a:off x="4449417" y="2716696"/>
-            <a:ext cx="2256183" cy="369332"/>
+            <a:off x="2053389" y="3580601"/>
+            <a:ext cx="6725653" cy="230832"/>
           </a:xfrm>
           <a:prstGeom prst="rect">
             <a:avLst/>
           </a:prstGeom>
           <a:solidFill>
-            <a:schemeClr val="tx1"/>
+            <a:schemeClr val="tx1">
+              <a:lumMod val="95000"/>
+              <a:lumOff val="5000"/>
+            </a:schemeClr>
           </a:solidFill>
         </p:spPr>
         <p:txBody>
@@ -5268,38 +6717,52 @@
           </a:bodyPr>
           <a:lstStyle/>
           <a:p>
-            <a:r>
-              <a:rPr lang="pt-BR" dirty="0">
-                <a:solidFill>
-                  <a:schemeClr val="bg1"/>
-                </a:solidFill>
-              </a:rPr>
-              <a:t>      ‘</a:t>
-            </a:r>
-            <a:r>
-              <a:rPr lang="pt-BR" sz="1600" dirty="0">
-                <a:solidFill>
-                  <a:schemeClr val="bg1"/>
-                </a:solidFill>
-              </a:rPr>
-              <a:t>página </a:t>
-            </a:r>
-            <a:r>
-              <a:rPr lang="pt-BR" sz="1600" dirty="0" err="1">
-                <a:solidFill>
-                  <a:schemeClr val="bg1"/>
-                </a:solidFill>
-              </a:rPr>
-              <a:t>html</a:t>
-            </a:r>
-            <a:r>
-              <a:rPr lang="pt-BR" sz="1600" dirty="0">
-                <a:solidFill>
-                  <a:schemeClr val="bg1"/>
-                </a:solidFill>
-              </a:rPr>
-              <a:t>’</a:t>
-            </a:r>
+            <a:endParaRPr lang="pt-BR" sz="900" dirty="0">
+              <a:solidFill>
+                <a:schemeClr val="bg1"/>
+              </a:solidFill>
+            </a:endParaRPr>
+          </a:p>
+        </p:txBody>
+      </p:sp>
+      <p:sp>
+        <p:nvSpPr>
+          <p:cNvPr id="13" name="CaixaDeTexto 12">
+            <a:extLst>
+              <a:ext uri="{FF2B5EF4-FFF2-40B4-BE49-F238E27FC236}">
+                <a16:creationId xmlns:a16="http://schemas.microsoft.com/office/drawing/2014/main" id="{EBD33259-7723-E0CF-C7D3-703835E0F9D9}"/>
+              </a:ext>
+            </a:extLst>
+          </p:cNvPr>
+          <p:cNvSpPr txBox="1"/>
+          <p:nvPr/>
+        </p:nvSpPr>
+        <p:spPr>
+          <a:xfrm>
+            <a:off x="2053388" y="4065154"/>
+            <a:ext cx="8005012" cy="1192631"/>
+          </a:xfrm>
+          <a:prstGeom prst="rect">
+            <a:avLst/>
+          </a:prstGeom>
+          <a:solidFill>
+            <a:schemeClr val="tx1">
+              <a:lumMod val="95000"/>
+              <a:lumOff val="5000"/>
+            </a:schemeClr>
+          </a:solidFill>
+        </p:spPr>
+        <p:txBody>
+          <a:bodyPr wrap="square" rtlCol="0">
+            <a:spAutoFit/>
+          </a:bodyPr>
+          <a:lstStyle/>
+          <a:p>
+            <a:endParaRPr lang="pt-BR" sz="900" dirty="0">
+              <a:solidFill>
+                <a:schemeClr val="bg1"/>
+              </a:solidFill>
+            </a:endParaRPr>
           </a:p>
         </p:txBody>
       </p:sp>
@@ -5447,10 +6910,10 @@
       </p:sp>
       <p:pic>
         <p:nvPicPr>
-          <p:cNvPr id="8" name="Imagem 7">
-            <a:extLst>
-              <a:ext uri="{FF2B5EF4-FFF2-40B4-BE49-F238E27FC236}">
-                <a16:creationId xmlns:a16="http://schemas.microsoft.com/office/drawing/2014/main" id="{106EE569-D75F-B191-441F-4EB7BCE1E0A5}"/>
+          <p:cNvPr id="5" name="Imagem 4">
+            <a:extLst>
+              <a:ext uri="{FF2B5EF4-FFF2-40B4-BE49-F238E27FC236}">
+                <a16:creationId xmlns:a16="http://schemas.microsoft.com/office/drawing/2014/main" id="{D8F5A110-45E2-9EA5-050A-9376216DB487}"/>
               </a:ext>
             </a:extLst>
           </p:cNvPr>
@@ -5461,13 +6924,13 @@
         </p:nvPicPr>
         <p:blipFill rotWithShape="1">
           <a:blip r:embed="rId2"/>
-          <a:srcRect l="22283" t="7903" r="28261" b="32165"/>
+          <a:srcRect l="22204" t="8050" r="31118" b="24023"/>
           <a:stretch/>
         </p:blipFill>
         <p:spPr>
           <a:xfrm>
-            <a:off x="0" y="0"/>
-            <a:ext cx="12192000" cy="6858000"/>
+            <a:off x="405061" y="365125"/>
+            <a:ext cx="11217444" cy="5811838"/>
           </a:xfrm>
           <a:prstGeom prst="rect">
             <a:avLst/>
@@ -5606,10 +7069,10 @@
       </p:grpSpPr>
       <p:pic>
         <p:nvPicPr>
-          <p:cNvPr id="5" name="Imagem 4">
-            <a:extLst>
-              <a:ext uri="{FF2B5EF4-FFF2-40B4-BE49-F238E27FC236}">
-                <a16:creationId xmlns:a16="http://schemas.microsoft.com/office/drawing/2014/main" id="{345D89FC-4E19-EF36-6F88-E4FB3606BE2F}"/>
+          <p:cNvPr id="3" name="Imagem 2">
+            <a:extLst>
+              <a:ext uri="{FF2B5EF4-FFF2-40B4-BE49-F238E27FC236}">
+                <a16:creationId xmlns:a16="http://schemas.microsoft.com/office/drawing/2014/main" id="{C1804F88-6AA0-94AE-15D2-AA5C7BD9FAB6}"/>
               </a:ext>
             </a:extLst>
           </p:cNvPr>
@@ -5620,13 +7083,13 @@
         </p:nvPicPr>
         <p:blipFill rotWithShape="1">
           <a:blip r:embed="rId2"/>
-          <a:srcRect t="3842" r="53370" b="15152"/>
+          <a:srcRect t="4189" r="7434" b="12261"/>
           <a:stretch/>
         </p:blipFill>
         <p:spPr>
           <a:xfrm>
-            <a:off x="0" y="0"/>
-            <a:ext cx="12192000" cy="6858000"/>
+            <a:off x="324852" y="288758"/>
+            <a:ext cx="11285621" cy="5727031"/>
           </a:xfrm>
           <a:prstGeom prst="rect">
             <a:avLst/>
